--- a/scenarios/media/figures.pptx
+++ b/scenarios/media/figures.pptx
@@ -8,8 +8,9 @@
     <p:sldId id="1445" r:id="rId2"/>
     <p:sldId id="256" r:id="rId3"/>
     <p:sldId id="257" r:id="rId4"/>
-    <p:sldId id="258" r:id="rId5"/>
-    <p:sldId id="259" r:id="rId6"/>
+    <p:sldId id="1446" r:id="rId5"/>
+    <p:sldId id="258" r:id="rId6"/>
+    <p:sldId id="259" r:id="rId7"/>
   </p:sldIdLst>
   <p:sldSz cx="12192000" cy="6858000"/>
   <p:notesSz cx="6858000" cy="9144000"/>
@@ -263,7 +264,7 @@
           <a:p>
             <a:fld id="{4A8D7B51-23EF-4970-8150-2BD12F42C3C7}" type="datetimeFigureOut">
               <a:rPr lang="en-US" smtClean="0"/>
-              <a:t>6/10/2019</a:t>
+              <a:t>1/21/2020</a:t>
             </a:fld>
             <a:endParaRPr lang="en-US"/>
           </a:p>
@@ -461,7 +462,7 @@
           <a:p>
             <a:fld id="{4A8D7B51-23EF-4970-8150-2BD12F42C3C7}" type="datetimeFigureOut">
               <a:rPr lang="en-US" smtClean="0"/>
-              <a:t>6/10/2019</a:t>
+              <a:t>1/21/2020</a:t>
             </a:fld>
             <a:endParaRPr lang="en-US"/>
           </a:p>
@@ -669,7 +670,7 @@
           <a:p>
             <a:fld id="{4A8D7B51-23EF-4970-8150-2BD12F42C3C7}" type="datetimeFigureOut">
               <a:rPr lang="en-US" smtClean="0"/>
-              <a:t>6/10/2019</a:t>
+              <a:t>1/21/2020</a:t>
             </a:fld>
             <a:endParaRPr lang="en-US"/>
           </a:p>
@@ -867,7 +868,7 @@
           <a:p>
             <a:fld id="{4A8D7B51-23EF-4970-8150-2BD12F42C3C7}" type="datetimeFigureOut">
               <a:rPr lang="en-US" smtClean="0"/>
-              <a:t>6/10/2019</a:t>
+              <a:t>1/21/2020</a:t>
             </a:fld>
             <a:endParaRPr lang="en-US"/>
           </a:p>
@@ -1142,7 +1143,7 @@
           <a:p>
             <a:fld id="{4A8D7B51-23EF-4970-8150-2BD12F42C3C7}" type="datetimeFigureOut">
               <a:rPr lang="en-US" smtClean="0"/>
-              <a:t>6/10/2019</a:t>
+              <a:t>1/21/2020</a:t>
             </a:fld>
             <a:endParaRPr lang="en-US"/>
           </a:p>
@@ -1407,7 +1408,7 @@
           <a:p>
             <a:fld id="{4A8D7B51-23EF-4970-8150-2BD12F42C3C7}" type="datetimeFigureOut">
               <a:rPr lang="en-US" smtClean="0"/>
-              <a:t>6/10/2019</a:t>
+              <a:t>1/21/2020</a:t>
             </a:fld>
             <a:endParaRPr lang="en-US"/>
           </a:p>
@@ -1819,7 +1820,7 @@
           <a:p>
             <a:fld id="{4A8D7B51-23EF-4970-8150-2BD12F42C3C7}" type="datetimeFigureOut">
               <a:rPr lang="en-US" smtClean="0"/>
-              <a:t>6/10/2019</a:t>
+              <a:t>1/21/2020</a:t>
             </a:fld>
             <a:endParaRPr lang="en-US"/>
           </a:p>
@@ -1960,7 +1961,7 @@
           <a:p>
             <a:fld id="{4A8D7B51-23EF-4970-8150-2BD12F42C3C7}" type="datetimeFigureOut">
               <a:rPr lang="en-US" smtClean="0"/>
-              <a:t>6/10/2019</a:t>
+              <a:t>1/21/2020</a:t>
             </a:fld>
             <a:endParaRPr lang="en-US"/>
           </a:p>
@@ -2073,7 +2074,7 @@
           <a:p>
             <a:fld id="{4A8D7B51-23EF-4970-8150-2BD12F42C3C7}" type="datetimeFigureOut">
               <a:rPr lang="en-US" smtClean="0"/>
-              <a:t>6/10/2019</a:t>
+              <a:t>1/21/2020</a:t>
             </a:fld>
             <a:endParaRPr lang="en-US"/>
           </a:p>
@@ -2384,7 +2385,7 @@
           <a:p>
             <a:fld id="{4A8D7B51-23EF-4970-8150-2BD12F42C3C7}" type="datetimeFigureOut">
               <a:rPr lang="en-US" smtClean="0"/>
-              <a:t>6/10/2019</a:t>
+              <a:t>1/21/2020</a:t>
             </a:fld>
             <a:endParaRPr lang="en-US"/>
           </a:p>
@@ -2672,7 +2673,7 @@
           <a:p>
             <a:fld id="{4A8D7B51-23EF-4970-8150-2BD12F42C3C7}" type="datetimeFigureOut">
               <a:rPr lang="en-US" smtClean="0"/>
-              <a:t>6/10/2019</a:t>
+              <a:t>1/21/2020</a:t>
             </a:fld>
             <a:endParaRPr lang="en-US"/>
           </a:p>
@@ -2913,7 +2914,7 @@
           <a:p>
             <a:fld id="{4A8D7B51-23EF-4970-8150-2BD12F42C3C7}" type="datetimeFigureOut">
               <a:rPr lang="en-US" smtClean="0"/>
-              <a:t>6/10/2019</a:t>
+              <a:t>1/21/2020</a:t>
             </a:fld>
             <a:endParaRPr lang="en-US"/>
           </a:p>
@@ -3945,6 +3946,346 @@
           </a:prstGeom>
         </p:spPr>
       </p:pic>
+      <p:cxnSp>
+        <p:nvCxnSpPr>
+          <p:cNvPr id="9" name="Straight Arrow Connector 8">
+            <a:extLst>
+              <a:ext uri="{FF2B5EF4-FFF2-40B4-BE49-F238E27FC236}">
+                <a16:creationId xmlns:a16="http://schemas.microsoft.com/office/drawing/2014/main" id="{BFF844AD-68A0-4DF7-BDFC-C6C9B1864BE5}"/>
+              </a:ext>
+            </a:extLst>
+          </p:cNvPr>
+          <p:cNvCxnSpPr/>
+          <p:nvPr/>
+        </p:nvCxnSpPr>
+        <p:spPr>
+          <a:xfrm>
+            <a:off x="5011534" y="3179745"/>
+            <a:ext cx="1263192" cy="0"/>
+          </a:xfrm>
+          <a:prstGeom prst="straightConnector1">
+            <a:avLst/>
+          </a:prstGeom>
+          <a:ln>
+            <a:tailEnd type="triangle"/>
+          </a:ln>
+        </p:spPr>
+        <p:style>
+          <a:lnRef idx="1">
+            <a:schemeClr val="accent1"/>
+          </a:lnRef>
+          <a:fillRef idx="0">
+            <a:schemeClr val="accent1"/>
+          </a:fillRef>
+          <a:effectRef idx="0">
+            <a:schemeClr val="accent1"/>
+          </a:effectRef>
+          <a:fontRef idx="minor">
+            <a:schemeClr val="tx1"/>
+          </a:fontRef>
+        </p:style>
+      </p:cxnSp>
+      <p:pic>
+        <p:nvPicPr>
+          <p:cNvPr id="5" name="Picture 4">
+            <a:extLst>
+              <a:ext uri="{FF2B5EF4-FFF2-40B4-BE49-F238E27FC236}">
+                <a16:creationId xmlns:a16="http://schemas.microsoft.com/office/drawing/2014/main" id="{91028F4C-003D-406C-B1A7-7FB981785AA5}"/>
+              </a:ext>
+            </a:extLst>
+          </p:cNvPr>
+          <p:cNvPicPr>
+            <a:picLocks noChangeAspect="1"/>
+          </p:cNvPicPr>
+          <p:nvPr/>
+        </p:nvPicPr>
+        <p:blipFill>
+          <a:blip r:embed="rId2">
+            <a:alphaModFix amt="18000"/>
+            <a:extLst>
+              <a:ext uri="{28A0092B-C50C-407E-A947-70E740481C1C}">
+                <a14:useLocalDpi xmlns:a14="http://schemas.microsoft.com/office/drawing/2010/main"/>
+              </a:ext>
+            </a:extLst>
+          </a:blip>
+          <a:stretch>
+            <a:fillRect/>
+          </a:stretch>
+        </p:blipFill>
+        <p:spPr>
+          <a:xfrm>
+            <a:off x="6372460" y="1919466"/>
+            <a:ext cx="1889155" cy="2520557"/>
+          </a:xfrm>
+          <a:prstGeom prst="rect">
+            <a:avLst/>
+          </a:prstGeom>
+          <a:effectLst>
+            <a:outerShdw blurRad="50800" dist="50800" dir="5400000" algn="ctr" rotWithShape="0">
+              <a:srgbClr val="000000"/>
+            </a:outerShdw>
+          </a:effectLst>
+        </p:spPr>
+      </p:pic>
+      <p:sp>
+        <p:nvSpPr>
+          <p:cNvPr id="8" name="TextBox 7">
+            <a:extLst>
+              <a:ext uri="{FF2B5EF4-FFF2-40B4-BE49-F238E27FC236}">
+                <a16:creationId xmlns:a16="http://schemas.microsoft.com/office/drawing/2014/main" id="{3C6D3A0D-E6D7-4B1B-8BB8-95D2A6DB007B}"/>
+              </a:ext>
+            </a:extLst>
+          </p:cNvPr>
+          <p:cNvSpPr txBox="1"/>
+          <p:nvPr/>
+        </p:nvSpPr>
+        <p:spPr>
+          <a:xfrm>
+            <a:off x="8359348" y="2579580"/>
+            <a:ext cx="3576403" cy="1477328"/>
+          </a:xfrm>
+          <a:prstGeom prst="rect">
+            <a:avLst/>
+          </a:prstGeom>
+          <a:noFill/>
+        </p:spPr>
+        <p:txBody>
+          <a:bodyPr wrap="square" rtlCol="0">
+            <a:spAutoFit/>
+          </a:bodyPr>
+          <a:lstStyle/>
+          <a:p>
+            <a:br>
+              <a:rPr lang="en-US" dirty="0">
+                <a:latin typeface="+mj-lt"/>
+              </a:rPr>
+            </a:br>
+            <a:r>
+              <a:rPr lang="en-US" dirty="0">
+                <a:latin typeface="+mj-lt"/>
+              </a:rPr>
+              <a:t>Found 2 key-points:</a:t>
+            </a:r>
+          </a:p>
+          <a:p>
+            <a:r>
+              <a:rPr lang="en-US" dirty="0">
+                <a:latin typeface="+mj-lt"/>
+              </a:rPr>
+              <a:t>   Bottle-lid: at position (150,50)</a:t>
+            </a:r>
+          </a:p>
+          <a:p>
+            <a:r>
+              <a:rPr lang="en-US" dirty="0">
+                <a:latin typeface="+mj-lt"/>
+              </a:rPr>
+              <a:t>   Bottle-bottom: at position (150,80)</a:t>
+            </a:r>
+          </a:p>
+          <a:p>
+            <a:endParaRPr lang="en-US" dirty="0">
+              <a:latin typeface="+mj-lt"/>
+            </a:endParaRPr>
+          </a:p>
+        </p:txBody>
+      </p:sp>
+      <p:sp>
+        <p:nvSpPr>
+          <p:cNvPr id="10" name="Multiplication Sign 9">
+            <a:extLst>
+              <a:ext uri="{FF2B5EF4-FFF2-40B4-BE49-F238E27FC236}">
+                <a16:creationId xmlns:a16="http://schemas.microsoft.com/office/drawing/2014/main" id="{E3B80075-2F03-4393-BB76-114573B5EE87}"/>
+              </a:ext>
+            </a:extLst>
+          </p:cNvPr>
+          <p:cNvSpPr/>
+          <p:nvPr/>
+        </p:nvSpPr>
+        <p:spPr>
+          <a:xfrm>
+            <a:off x="7240618" y="2162132"/>
+            <a:ext cx="311001" cy="311001"/>
+          </a:xfrm>
+          <a:prstGeom prst="mathMultiply">
+            <a:avLst/>
+          </a:prstGeom>
+        </p:spPr>
+        <p:style>
+          <a:lnRef idx="2">
+            <a:schemeClr val="accent1">
+              <a:shade val="50000"/>
+            </a:schemeClr>
+          </a:lnRef>
+          <a:fillRef idx="1">
+            <a:schemeClr val="accent1"/>
+          </a:fillRef>
+          <a:effectRef idx="0">
+            <a:schemeClr val="accent1"/>
+          </a:effectRef>
+          <a:fontRef idx="minor">
+            <a:schemeClr val="lt1"/>
+          </a:fontRef>
+        </p:style>
+        <p:txBody>
+          <a:bodyPr rtlCol="0" anchor="ctr"/>
+          <a:lstStyle/>
+          <a:p>
+            <a:pPr algn="ctr"/>
+            <a:endParaRPr lang="en-US"/>
+          </a:p>
+        </p:txBody>
+      </p:sp>
+      <p:sp>
+        <p:nvSpPr>
+          <p:cNvPr id="14" name="Multiplication Sign 13">
+            <a:extLst>
+              <a:ext uri="{FF2B5EF4-FFF2-40B4-BE49-F238E27FC236}">
+                <a16:creationId xmlns:a16="http://schemas.microsoft.com/office/drawing/2014/main" id="{AEDDF8DD-556C-439C-890A-8948F85A2827}"/>
+              </a:ext>
+            </a:extLst>
+          </p:cNvPr>
+          <p:cNvSpPr/>
+          <p:nvPr/>
+        </p:nvSpPr>
+        <p:spPr>
+          <a:xfrm>
+            <a:off x="7161535" y="3690846"/>
+            <a:ext cx="311001" cy="311001"/>
+          </a:xfrm>
+          <a:prstGeom prst="mathMultiply">
+            <a:avLst/>
+          </a:prstGeom>
+        </p:spPr>
+        <p:style>
+          <a:lnRef idx="2">
+            <a:schemeClr val="accent1">
+              <a:shade val="50000"/>
+            </a:schemeClr>
+          </a:lnRef>
+          <a:fillRef idx="1">
+            <a:schemeClr val="accent1"/>
+          </a:fillRef>
+          <a:effectRef idx="0">
+            <a:schemeClr val="accent1"/>
+          </a:effectRef>
+          <a:fontRef idx="minor">
+            <a:schemeClr val="lt1"/>
+          </a:fontRef>
+        </p:style>
+        <p:txBody>
+          <a:bodyPr rtlCol="0" anchor="ctr"/>
+          <a:lstStyle/>
+          <a:p>
+            <a:pPr algn="ctr"/>
+            <a:endParaRPr lang="en-US"/>
+          </a:p>
+        </p:txBody>
+      </p:sp>
+      <p:cxnSp>
+        <p:nvCxnSpPr>
+          <p:cNvPr id="16" name="Straight Connector 15">
+            <a:extLst>
+              <a:ext uri="{FF2B5EF4-FFF2-40B4-BE49-F238E27FC236}">
+                <a16:creationId xmlns:a16="http://schemas.microsoft.com/office/drawing/2014/main" id="{7ACA46E0-FC49-475D-B4D7-9654FEFCEDF8}"/>
+              </a:ext>
+            </a:extLst>
+          </p:cNvPr>
+          <p:cNvCxnSpPr>
+            <a:cxnSpLocks/>
+          </p:cNvCxnSpPr>
+          <p:nvPr/>
+        </p:nvCxnSpPr>
+        <p:spPr>
+          <a:xfrm flipH="1">
+            <a:off x="7317036" y="2360222"/>
+            <a:ext cx="79083" cy="1528250"/>
+          </a:xfrm>
+          <a:prstGeom prst="line">
+            <a:avLst/>
+          </a:prstGeom>
+        </p:spPr>
+        <p:style>
+          <a:lnRef idx="3">
+            <a:schemeClr val="accent1"/>
+          </a:lnRef>
+          <a:fillRef idx="0">
+            <a:schemeClr val="accent1"/>
+          </a:fillRef>
+          <a:effectRef idx="2">
+            <a:schemeClr val="accent1"/>
+          </a:effectRef>
+          <a:fontRef idx="minor">
+            <a:schemeClr val="tx1"/>
+          </a:fontRef>
+        </p:style>
+      </p:cxnSp>
+    </p:spTree>
+    <p:extLst>
+      <p:ext uri="{BB962C8B-B14F-4D97-AF65-F5344CB8AC3E}">
+        <p14:creationId xmlns:p14="http://schemas.microsoft.com/office/powerpoint/2010/main" val="3974724668"/>
+      </p:ext>
+    </p:extLst>
+  </p:cSld>
+  <p:clrMapOvr>
+    <a:masterClrMapping/>
+  </p:clrMapOvr>
+</p:sld>
+</file>
+
+<file path=ppt/slides/slide5.xml><?xml version="1.0" encoding="utf-8"?>
+<p:sld xmlns:a="http://schemas.openxmlformats.org/drawingml/2006/main" xmlns:r="http://schemas.openxmlformats.org/officeDocument/2006/relationships" xmlns:p="http://schemas.openxmlformats.org/presentationml/2006/main">
+  <p:cSld>
+    <p:spTree>
+      <p:nvGrpSpPr>
+        <p:cNvPr id="1" name=""/>
+        <p:cNvGrpSpPr/>
+        <p:nvPr/>
+      </p:nvGrpSpPr>
+      <p:grpSpPr>
+        <a:xfrm>
+          <a:off x="0" y="0"/>
+          <a:ext cx="0" cy="0"/>
+          <a:chOff x="0" y="0"/>
+          <a:chExt cx="0" cy="0"/>
+        </a:xfrm>
+      </p:grpSpPr>
+      <p:pic>
+        <p:nvPicPr>
+          <p:cNvPr id="7" name="Picture 6">
+            <a:extLst>
+              <a:ext uri="{FF2B5EF4-FFF2-40B4-BE49-F238E27FC236}">
+                <a16:creationId xmlns:a16="http://schemas.microsoft.com/office/drawing/2014/main" id="{5E590FDD-2874-4B9A-AC87-3B6A3783D372}"/>
+              </a:ext>
+            </a:extLst>
+          </p:cNvPr>
+          <p:cNvPicPr>
+            <a:picLocks noChangeAspect="1"/>
+          </p:cNvPicPr>
+          <p:nvPr/>
+        </p:nvPicPr>
+        <p:blipFill>
+          <a:blip r:embed="rId2">
+            <a:extLst>
+              <a:ext uri="{28A0092B-C50C-407E-A947-70E740481C1C}">
+                <a14:useLocalDpi xmlns:a14="http://schemas.microsoft.com/office/drawing/2010/main"/>
+              </a:ext>
+            </a:extLst>
+          </a:blip>
+          <a:stretch>
+            <a:fillRect/>
+          </a:stretch>
+        </p:blipFill>
+        <p:spPr>
+          <a:xfrm>
+            <a:off x="2985809" y="1919467"/>
+            <a:ext cx="1889155" cy="2520557"/>
+          </a:xfrm>
+          <a:prstGeom prst="rect">
+            <a:avLst/>
+          </a:prstGeom>
+        </p:spPr>
+      </p:pic>
       <p:sp>
         <p:nvSpPr>
           <p:cNvPr id="4" name="Rectangle 3">
@@ -4793,7 +5134,7 @@
 </p:sld>
 </file>
 
-<file path=ppt/slides/slide5.xml><?xml version="1.0" encoding="utf-8"?>
+<file path=ppt/slides/slide6.xml><?xml version="1.0" encoding="utf-8"?>
 <p:sld xmlns:a="http://schemas.openxmlformats.org/drawingml/2006/main" xmlns:r="http://schemas.openxmlformats.org/officeDocument/2006/relationships" xmlns:p="http://schemas.openxmlformats.org/presentationml/2006/main">
   <p:cSld>
     <p:spTree>

--- a/scenarios/media/figures.pptx
+++ b/scenarios/media/figures.pptx
@@ -11,6 +11,9 @@
     <p:sldId id="1446" r:id="rId5"/>
     <p:sldId id="258" r:id="rId6"/>
     <p:sldId id="259" r:id="rId7"/>
+    <p:sldId id="1448" r:id="rId8"/>
+    <p:sldId id="1449" r:id="rId9"/>
+    <p:sldId id="1447" r:id="rId10"/>
   </p:sldIdLst>
   <p:sldSz cx="12192000" cy="6858000"/>
   <p:notesSz cx="6858000" cy="9144000"/>
@@ -264,7 +267,7 @@
           <a:p>
             <a:fld id="{4A8D7B51-23EF-4970-8150-2BD12F42C3C7}" type="datetimeFigureOut">
               <a:rPr lang="en-US" smtClean="0"/>
-              <a:t>1/21/2020</a:t>
+              <a:t>1/22/2020</a:t>
             </a:fld>
             <a:endParaRPr lang="en-US"/>
           </a:p>
@@ -462,7 +465,7 @@
           <a:p>
             <a:fld id="{4A8D7B51-23EF-4970-8150-2BD12F42C3C7}" type="datetimeFigureOut">
               <a:rPr lang="en-US" smtClean="0"/>
-              <a:t>1/21/2020</a:t>
+              <a:t>1/22/2020</a:t>
             </a:fld>
             <a:endParaRPr lang="en-US"/>
           </a:p>
@@ -670,7 +673,7 @@
           <a:p>
             <a:fld id="{4A8D7B51-23EF-4970-8150-2BD12F42C3C7}" type="datetimeFigureOut">
               <a:rPr lang="en-US" smtClean="0"/>
-              <a:t>1/21/2020</a:t>
+              <a:t>1/22/2020</a:t>
             </a:fld>
             <a:endParaRPr lang="en-US"/>
           </a:p>
@@ -868,7 +871,7 @@
           <a:p>
             <a:fld id="{4A8D7B51-23EF-4970-8150-2BD12F42C3C7}" type="datetimeFigureOut">
               <a:rPr lang="en-US" smtClean="0"/>
-              <a:t>1/21/2020</a:t>
+              <a:t>1/22/2020</a:t>
             </a:fld>
             <a:endParaRPr lang="en-US"/>
           </a:p>
@@ -1143,7 +1146,7 @@
           <a:p>
             <a:fld id="{4A8D7B51-23EF-4970-8150-2BD12F42C3C7}" type="datetimeFigureOut">
               <a:rPr lang="en-US" smtClean="0"/>
-              <a:t>1/21/2020</a:t>
+              <a:t>1/22/2020</a:t>
             </a:fld>
             <a:endParaRPr lang="en-US"/>
           </a:p>
@@ -1408,7 +1411,7 @@
           <a:p>
             <a:fld id="{4A8D7B51-23EF-4970-8150-2BD12F42C3C7}" type="datetimeFigureOut">
               <a:rPr lang="en-US" smtClean="0"/>
-              <a:t>1/21/2020</a:t>
+              <a:t>1/22/2020</a:t>
             </a:fld>
             <a:endParaRPr lang="en-US"/>
           </a:p>
@@ -1820,7 +1823,7 @@
           <a:p>
             <a:fld id="{4A8D7B51-23EF-4970-8150-2BD12F42C3C7}" type="datetimeFigureOut">
               <a:rPr lang="en-US" smtClean="0"/>
-              <a:t>1/21/2020</a:t>
+              <a:t>1/22/2020</a:t>
             </a:fld>
             <a:endParaRPr lang="en-US"/>
           </a:p>
@@ -1961,7 +1964,7 @@
           <a:p>
             <a:fld id="{4A8D7B51-23EF-4970-8150-2BD12F42C3C7}" type="datetimeFigureOut">
               <a:rPr lang="en-US" smtClean="0"/>
-              <a:t>1/21/2020</a:t>
+              <a:t>1/22/2020</a:t>
             </a:fld>
             <a:endParaRPr lang="en-US"/>
           </a:p>
@@ -2074,7 +2077,7 @@
           <a:p>
             <a:fld id="{4A8D7B51-23EF-4970-8150-2BD12F42C3C7}" type="datetimeFigureOut">
               <a:rPr lang="en-US" smtClean="0"/>
-              <a:t>1/21/2020</a:t>
+              <a:t>1/22/2020</a:t>
             </a:fld>
             <a:endParaRPr lang="en-US"/>
           </a:p>
@@ -2385,7 +2388,7 @@
           <a:p>
             <a:fld id="{4A8D7B51-23EF-4970-8150-2BD12F42C3C7}" type="datetimeFigureOut">
               <a:rPr lang="en-US" smtClean="0"/>
-              <a:t>1/21/2020</a:t>
+              <a:t>1/22/2020</a:t>
             </a:fld>
             <a:endParaRPr lang="en-US"/>
           </a:p>
@@ -2673,7 +2676,7 @@
           <a:p>
             <a:fld id="{4A8D7B51-23EF-4970-8150-2BD12F42C3C7}" type="datetimeFigureOut">
               <a:rPr lang="en-US" smtClean="0"/>
-              <a:t>1/21/2020</a:t>
+              <a:t>1/22/2020</a:t>
             </a:fld>
             <a:endParaRPr lang="en-US"/>
           </a:p>
@@ -2914,7 +2917,7 @@
           <a:p>
             <a:fld id="{4A8D7B51-23EF-4970-8150-2BD12F42C3C7}" type="datetimeFigureOut">
               <a:rPr lang="en-US" smtClean="0"/>
-              <a:t>1/21/2020</a:t>
+              <a:t>1/22/2020</a:t>
             </a:fld>
             <a:endParaRPr lang="en-US"/>
           </a:p>
@@ -5441,6 +5444,777 @@
 </p:sld>
 </file>
 
+<file path=ppt/slides/slide7.xml><?xml version="1.0" encoding="utf-8"?>
+<p:sld xmlns:a="http://schemas.openxmlformats.org/drawingml/2006/main" xmlns:r="http://schemas.openxmlformats.org/officeDocument/2006/relationships" xmlns:p="http://schemas.openxmlformats.org/presentationml/2006/main">
+  <p:cSld>
+    <p:spTree>
+      <p:nvGrpSpPr>
+        <p:cNvPr id="1" name=""/>
+        <p:cNvGrpSpPr/>
+        <p:nvPr/>
+      </p:nvGrpSpPr>
+      <p:grpSpPr>
+        <a:xfrm>
+          <a:off x="0" y="0"/>
+          <a:ext cx="0" cy="0"/>
+          <a:chOff x="0" y="0"/>
+          <a:chExt cx="0" cy="0"/>
+        </a:xfrm>
+      </p:grpSpPr>
+      <p:pic>
+        <p:nvPicPr>
+          <p:cNvPr id="4" name="Picture 6">
+            <a:extLst>
+              <a:ext uri="{FF2B5EF4-FFF2-40B4-BE49-F238E27FC236}">
+                <a16:creationId xmlns:a16="http://schemas.microsoft.com/office/drawing/2014/main" id="{C76889AB-A7B7-4F7D-A711-44B611B2B9B2}"/>
+              </a:ext>
+            </a:extLst>
+          </p:cNvPr>
+          <p:cNvPicPr>
+            <a:picLocks noChangeAspect="1" noChangeArrowheads="1"/>
+          </p:cNvPicPr>
+          <p:nvPr/>
+        </p:nvPicPr>
+        <p:blipFill>
+          <a:blip r:embed="rId2">
+            <a:extLst>
+              <a:ext uri="{28A0092B-C50C-407E-A947-70E740481C1C}">
+                <a14:useLocalDpi xmlns:a14="http://schemas.microsoft.com/office/drawing/2010/main" val="0"/>
+              </a:ext>
+            </a:extLst>
+          </a:blip>
+          <a:srcRect/>
+          <a:stretch>
+            <a:fillRect/>
+          </a:stretch>
+        </p:blipFill>
+        <p:spPr bwMode="auto">
+          <a:xfrm>
+            <a:off x="7923020" y="971122"/>
+            <a:ext cx="3155695" cy="2965878"/>
+          </a:xfrm>
+          <a:prstGeom prst="rect">
+            <a:avLst/>
+          </a:prstGeom>
+          <a:noFill/>
+          <a:ln>
+            <a:solidFill>
+              <a:schemeClr val="accent1">
+                <a:lumMod val="75000"/>
+              </a:schemeClr>
+            </a:solidFill>
+          </a:ln>
+          <a:extLst>
+            <a:ext uri="{909E8E84-426E-40DD-AFC4-6F175D3DCCD1}">
+              <a14:hiddenFill xmlns:a14="http://schemas.microsoft.com/office/drawing/2010/main">
+                <a:solidFill>
+                  <a:srgbClr val="FFFFFF"/>
+                </a:solidFill>
+              </a14:hiddenFill>
+            </a:ext>
+          </a:extLst>
+        </p:spPr>
+      </p:pic>
+      <p:pic>
+        <p:nvPicPr>
+          <p:cNvPr id="6" name="Picture 4">
+            <a:extLst>
+              <a:ext uri="{FF2B5EF4-FFF2-40B4-BE49-F238E27FC236}">
+                <a16:creationId xmlns:a16="http://schemas.microsoft.com/office/drawing/2014/main" id="{13906CAB-95CA-4028-A55A-FE57FB8786D0}"/>
+              </a:ext>
+            </a:extLst>
+          </p:cNvPr>
+          <p:cNvPicPr>
+            <a:picLocks noChangeAspect="1" noChangeArrowheads="1"/>
+          </p:cNvPicPr>
+          <p:nvPr/>
+        </p:nvPicPr>
+        <p:blipFill>
+          <a:blip r:embed="rId3">
+            <a:extLst>
+              <a:ext uri="{28A0092B-C50C-407E-A947-70E740481C1C}">
+                <a14:useLocalDpi xmlns:a14="http://schemas.microsoft.com/office/drawing/2010/main" val="0"/>
+              </a:ext>
+            </a:extLst>
+          </a:blip>
+          <a:srcRect/>
+          <a:stretch>
+            <a:fillRect/>
+          </a:stretch>
+        </p:blipFill>
+        <p:spPr bwMode="auto">
+          <a:xfrm>
+            <a:off x="5493602" y="971123"/>
+            <a:ext cx="2267880" cy="3002923"/>
+          </a:xfrm>
+          <a:prstGeom prst="rect">
+            <a:avLst/>
+          </a:prstGeom>
+          <a:noFill/>
+          <a:ln>
+            <a:solidFill>
+              <a:schemeClr val="accent1">
+                <a:lumMod val="75000"/>
+              </a:schemeClr>
+            </a:solidFill>
+          </a:ln>
+          <a:extLst>
+            <a:ext uri="{909E8E84-426E-40DD-AFC4-6F175D3DCCD1}">
+              <a14:hiddenFill xmlns:a14="http://schemas.microsoft.com/office/drawing/2010/main">
+                <a:solidFill>
+                  <a:srgbClr val="FFFFFF"/>
+                </a:solidFill>
+              </a14:hiddenFill>
+            </a:ext>
+          </a:extLst>
+        </p:spPr>
+      </p:pic>
+      <p:pic>
+        <p:nvPicPr>
+          <p:cNvPr id="8" name="Picture 7">
+            <a:extLst>
+              <a:ext uri="{FF2B5EF4-FFF2-40B4-BE49-F238E27FC236}">
+                <a16:creationId xmlns:a16="http://schemas.microsoft.com/office/drawing/2014/main" id="{80D2613F-75BB-4C54-B2DB-B87FD52E3412}"/>
+              </a:ext>
+            </a:extLst>
+          </p:cNvPr>
+          <p:cNvPicPr>
+            <a:picLocks noChangeAspect="1"/>
+          </p:cNvPicPr>
+          <p:nvPr/>
+        </p:nvPicPr>
+        <p:blipFill>
+          <a:blip r:embed="rId4"/>
+          <a:stretch>
+            <a:fillRect/>
+          </a:stretch>
+        </p:blipFill>
+        <p:spPr>
+          <a:xfrm>
+            <a:off x="1727201" y="971123"/>
+            <a:ext cx="3650953" cy="2965877"/>
+          </a:xfrm>
+          <a:prstGeom prst="rect">
+            <a:avLst/>
+          </a:prstGeom>
+          <a:ln>
+            <a:solidFill>
+              <a:schemeClr val="accent1">
+                <a:lumMod val="75000"/>
+              </a:schemeClr>
+            </a:solidFill>
+          </a:ln>
+        </p:spPr>
+      </p:pic>
+      <p:pic>
+        <p:nvPicPr>
+          <p:cNvPr id="9" name="Picture 8">
+            <a:extLst>
+              <a:ext uri="{FF2B5EF4-FFF2-40B4-BE49-F238E27FC236}">
+                <a16:creationId xmlns:a16="http://schemas.microsoft.com/office/drawing/2014/main" id="{597E02F2-399A-44F8-8BB6-C4E52CAD91C2}"/>
+              </a:ext>
+            </a:extLst>
+          </p:cNvPr>
+          <p:cNvPicPr>
+            <a:picLocks noChangeAspect="1"/>
+          </p:cNvPicPr>
+          <p:nvPr/>
+        </p:nvPicPr>
+        <p:blipFill>
+          <a:blip r:embed="rId5"/>
+          <a:stretch>
+            <a:fillRect/>
+          </a:stretch>
+        </p:blipFill>
+        <p:spPr>
+          <a:xfrm>
+            <a:off x="1727200" y="4108186"/>
+            <a:ext cx="9351515" cy="2046037"/>
+          </a:xfrm>
+          <a:prstGeom prst="rect">
+            <a:avLst/>
+          </a:prstGeom>
+          <a:ln>
+            <a:solidFill>
+              <a:schemeClr val="accent1">
+                <a:lumMod val="75000"/>
+              </a:schemeClr>
+            </a:solidFill>
+          </a:ln>
+        </p:spPr>
+      </p:pic>
+    </p:spTree>
+    <p:extLst>
+      <p:ext uri="{BB962C8B-B14F-4D97-AF65-F5344CB8AC3E}">
+        <p14:creationId xmlns:p14="http://schemas.microsoft.com/office/powerpoint/2010/main" val="667907963"/>
+      </p:ext>
+    </p:extLst>
+  </p:cSld>
+  <p:clrMapOvr>
+    <a:masterClrMapping/>
+  </p:clrMapOvr>
+</p:sld>
+</file>
+
+<file path=ppt/slides/slide8.xml><?xml version="1.0" encoding="utf-8"?>
+<p:sld xmlns:a="http://schemas.openxmlformats.org/drawingml/2006/main" xmlns:r="http://schemas.openxmlformats.org/officeDocument/2006/relationships" xmlns:p="http://schemas.openxmlformats.org/presentationml/2006/main">
+  <p:cSld>
+    <p:spTree>
+      <p:nvGrpSpPr>
+        <p:cNvPr id="1" name=""/>
+        <p:cNvGrpSpPr/>
+        <p:nvPr/>
+      </p:nvGrpSpPr>
+      <p:grpSpPr>
+        <a:xfrm>
+          <a:off x="0" y="0"/>
+          <a:ext cx="0" cy="0"/>
+          <a:chOff x="0" y="0"/>
+          <a:chExt cx="0" cy="0"/>
+        </a:xfrm>
+      </p:grpSpPr>
+      <p:pic>
+        <p:nvPicPr>
+          <p:cNvPr id="4" name="Picture 6">
+            <a:extLst>
+              <a:ext uri="{FF2B5EF4-FFF2-40B4-BE49-F238E27FC236}">
+                <a16:creationId xmlns:a16="http://schemas.microsoft.com/office/drawing/2014/main" id="{C76889AB-A7B7-4F7D-A711-44B611B2B9B2}"/>
+              </a:ext>
+            </a:extLst>
+          </p:cNvPr>
+          <p:cNvPicPr>
+            <a:picLocks noChangeAspect="1" noChangeArrowheads="1"/>
+          </p:cNvPicPr>
+          <p:nvPr/>
+        </p:nvPicPr>
+        <p:blipFill>
+          <a:blip r:embed="rId2">
+            <a:extLst>
+              <a:ext uri="{28A0092B-C50C-407E-A947-70E740481C1C}">
+                <a14:useLocalDpi xmlns:a14="http://schemas.microsoft.com/office/drawing/2010/main" val="0"/>
+              </a:ext>
+            </a:extLst>
+          </a:blip>
+          <a:srcRect/>
+          <a:stretch>
+            <a:fillRect/>
+          </a:stretch>
+        </p:blipFill>
+        <p:spPr bwMode="auto">
+          <a:xfrm>
+            <a:off x="6963598" y="608322"/>
+            <a:ext cx="3983804" cy="3744176"/>
+          </a:xfrm>
+          <a:prstGeom prst="rect">
+            <a:avLst/>
+          </a:prstGeom>
+          <a:noFill/>
+          <a:extLst>
+            <a:ext uri="{909E8E84-426E-40DD-AFC4-6F175D3DCCD1}">
+              <a14:hiddenFill xmlns:a14="http://schemas.microsoft.com/office/drawing/2010/main">
+                <a:solidFill>
+                  <a:srgbClr val="FFFFFF"/>
+                </a:solidFill>
+              </a14:hiddenFill>
+            </a:ext>
+          </a:extLst>
+        </p:spPr>
+      </p:pic>
+      <p:pic>
+        <p:nvPicPr>
+          <p:cNvPr id="6" name="Picture 4">
+            <a:extLst>
+              <a:ext uri="{FF2B5EF4-FFF2-40B4-BE49-F238E27FC236}">
+                <a16:creationId xmlns:a16="http://schemas.microsoft.com/office/drawing/2014/main" id="{13906CAB-95CA-4028-A55A-FE57FB8786D0}"/>
+              </a:ext>
+            </a:extLst>
+          </p:cNvPr>
+          <p:cNvPicPr>
+            <a:picLocks noChangeAspect="1" noChangeArrowheads="1"/>
+          </p:cNvPicPr>
+          <p:nvPr/>
+        </p:nvPicPr>
+        <p:blipFill>
+          <a:blip r:embed="rId3">
+            <a:extLst>
+              <a:ext uri="{28A0092B-C50C-407E-A947-70E740481C1C}">
+                <a14:useLocalDpi xmlns:a14="http://schemas.microsoft.com/office/drawing/2010/main" val="0"/>
+              </a:ext>
+            </a:extLst>
+          </a:blip>
+          <a:srcRect/>
+          <a:stretch>
+            <a:fillRect/>
+          </a:stretch>
+        </p:blipFill>
+        <p:spPr bwMode="auto">
+          <a:xfrm>
+            <a:off x="4060005" y="156458"/>
+            <a:ext cx="3219625" cy="4263139"/>
+          </a:xfrm>
+          <a:prstGeom prst="rect">
+            <a:avLst/>
+          </a:prstGeom>
+          <a:noFill/>
+          <a:extLst>
+            <a:ext uri="{909E8E84-426E-40DD-AFC4-6F175D3DCCD1}">
+              <a14:hiddenFill xmlns:a14="http://schemas.microsoft.com/office/drawing/2010/main">
+                <a:solidFill>
+                  <a:srgbClr val="FFFFFF"/>
+                </a:solidFill>
+              </a14:hiddenFill>
+            </a:ext>
+          </a:extLst>
+        </p:spPr>
+      </p:pic>
+      <p:pic>
+        <p:nvPicPr>
+          <p:cNvPr id="8" name="Picture 7">
+            <a:extLst>
+              <a:ext uri="{FF2B5EF4-FFF2-40B4-BE49-F238E27FC236}">
+                <a16:creationId xmlns:a16="http://schemas.microsoft.com/office/drawing/2014/main" id="{80D2613F-75BB-4C54-B2DB-B87FD52E3412}"/>
+              </a:ext>
+            </a:extLst>
+          </p:cNvPr>
+          <p:cNvPicPr>
+            <a:picLocks noChangeAspect="1"/>
+          </p:cNvPicPr>
+          <p:nvPr/>
+        </p:nvPicPr>
+        <p:blipFill>
+          <a:blip r:embed="rId4"/>
+          <a:stretch>
+            <a:fillRect/>
+          </a:stretch>
+        </p:blipFill>
+        <p:spPr>
+          <a:xfrm>
+            <a:off x="1" y="971123"/>
+            <a:ext cx="4162425" cy="3381375"/>
+          </a:xfrm>
+          <a:prstGeom prst="rect">
+            <a:avLst/>
+          </a:prstGeom>
+        </p:spPr>
+      </p:pic>
+      <p:pic>
+        <p:nvPicPr>
+          <p:cNvPr id="9" name="Picture 8">
+            <a:extLst>
+              <a:ext uri="{FF2B5EF4-FFF2-40B4-BE49-F238E27FC236}">
+                <a16:creationId xmlns:a16="http://schemas.microsoft.com/office/drawing/2014/main" id="{597E02F2-399A-44F8-8BB6-C4E52CAD91C2}"/>
+              </a:ext>
+            </a:extLst>
+          </p:cNvPr>
+          <p:cNvPicPr>
+            <a:picLocks noChangeAspect="1"/>
+          </p:cNvPicPr>
+          <p:nvPr/>
+        </p:nvPicPr>
+        <p:blipFill>
+          <a:blip r:embed="rId5"/>
+          <a:stretch>
+            <a:fillRect/>
+          </a:stretch>
+        </p:blipFill>
+        <p:spPr>
+          <a:xfrm>
+            <a:off x="520701" y="4552686"/>
+            <a:ext cx="10045700" cy="2197919"/>
+          </a:xfrm>
+          <a:prstGeom prst="rect">
+            <a:avLst/>
+          </a:prstGeom>
+          <a:ln>
+            <a:solidFill>
+              <a:schemeClr val="bg1">
+                <a:lumMod val="65000"/>
+              </a:schemeClr>
+            </a:solidFill>
+          </a:ln>
+        </p:spPr>
+      </p:pic>
+    </p:spTree>
+    <p:extLst>
+      <p:ext uri="{BB962C8B-B14F-4D97-AF65-F5344CB8AC3E}">
+        <p14:creationId xmlns:p14="http://schemas.microsoft.com/office/powerpoint/2010/main" val="1335132706"/>
+      </p:ext>
+    </p:extLst>
+  </p:cSld>
+  <p:clrMapOvr>
+    <a:masterClrMapping/>
+  </p:clrMapOvr>
+</p:sld>
+</file>
+
+<file path=ppt/slides/slide9.xml><?xml version="1.0" encoding="utf-8"?>
+<p:sld xmlns:a="http://schemas.openxmlformats.org/drawingml/2006/main" xmlns:r="http://schemas.openxmlformats.org/officeDocument/2006/relationships" xmlns:p="http://schemas.openxmlformats.org/presentationml/2006/main">
+  <p:cSld>
+    <p:spTree>
+      <p:nvGrpSpPr>
+        <p:cNvPr id="1" name=""/>
+        <p:cNvGrpSpPr/>
+        <p:nvPr/>
+      </p:nvGrpSpPr>
+      <p:grpSpPr>
+        <a:xfrm>
+          <a:off x="0" y="0"/>
+          <a:ext cx="0" cy="0"/>
+          <a:chOff x="0" y="0"/>
+          <a:chExt cx="0" cy="0"/>
+        </a:xfrm>
+      </p:grpSpPr>
+      <p:pic>
+        <p:nvPicPr>
+          <p:cNvPr id="1026" name="Picture 2">
+            <a:extLst>
+              <a:ext uri="{FF2B5EF4-FFF2-40B4-BE49-F238E27FC236}">
+                <a16:creationId xmlns:a16="http://schemas.microsoft.com/office/drawing/2014/main" id="{C1A2ABCF-B59C-4AC5-A2BB-25321457EC44}"/>
+              </a:ext>
+            </a:extLst>
+          </p:cNvPr>
+          <p:cNvPicPr>
+            <a:picLocks noChangeAspect="1" noChangeArrowheads="1"/>
+          </p:cNvPicPr>
+          <p:nvPr/>
+        </p:nvPicPr>
+        <p:blipFill>
+          <a:blip r:embed="rId2">
+            <a:extLst>
+              <a:ext uri="{28A0092B-C50C-407E-A947-70E740481C1C}">
+                <a14:useLocalDpi xmlns:a14="http://schemas.microsoft.com/office/drawing/2010/main" val="0"/>
+              </a:ext>
+            </a:extLst>
+          </a:blip>
+          <a:srcRect/>
+          <a:stretch>
+            <a:fillRect/>
+          </a:stretch>
+        </p:blipFill>
+        <p:spPr bwMode="auto">
+          <a:xfrm>
+            <a:off x="0" y="4014787"/>
+            <a:ext cx="2857500" cy="2857500"/>
+          </a:xfrm>
+          <a:prstGeom prst="rect">
+            <a:avLst/>
+          </a:prstGeom>
+          <a:noFill/>
+          <a:extLst>
+            <a:ext uri="{909E8E84-426E-40DD-AFC4-6F175D3DCCD1}">
+              <a14:hiddenFill xmlns:a14="http://schemas.microsoft.com/office/drawing/2010/main">
+                <a:solidFill>
+                  <a:srgbClr val="FFFFFF"/>
+                </a:solidFill>
+              </a14:hiddenFill>
+            </a:ext>
+          </a:extLst>
+        </p:spPr>
+      </p:pic>
+      <p:pic>
+        <p:nvPicPr>
+          <p:cNvPr id="5" name="Picture 4">
+            <a:extLst>
+              <a:ext uri="{FF2B5EF4-FFF2-40B4-BE49-F238E27FC236}">
+                <a16:creationId xmlns:a16="http://schemas.microsoft.com/office/drawing/2014/main" id="{07E53B42-732E-4FDF-8E26-483F033B99E0}"/>
+              </a:ext>
+            </a:extLst>
+          </p:cNvPr>
+          <p:cNvPicPr>
+            <a:picLocks noChangeAspect="1"/>
+          </p:cNvPicPr>
+          <p:nvPr/>
+        </p:nvPicPr>
+        <p:blipFill>
+          <a:blip r:embed="rId3"/>
+          <a:stretch>
+            <a:fillRect/>
+          </a:stretch>
+        </p:blipFill>
+        <p:spPr>
+          <a:xfrm>
+            <a:off x="2857500" y="3447574"/>
+            <a:ext cx="3943350" cy="3417570"/>
+          </a:xfrm>
+          <a:prstGeom prst="rect">
+            <a:avLst/>
+          </a:prstGeom>
+        </p:spPr>
+      </p:pic>
+      <p:pic>
+        <p:nvPicPr>
+          <p:cNvPr id="1028" name="Picture 4">
+            <a:extLst>
+              <a:ext uri="{FF2B5EF4-FFF2-40B4-BE49-F238E27FC236}">
+                <a16:creationId xmlns:a16="http://schemas.microsoft.com/office/drawing/2014/main" id="{374E04C1-0521-4870-A175-5458B86A89C0}"/>
+              </a:ext>
+            </a:extLst>
+          </p:cNvPr>
+          <p:cNvPicPr>
+            <a:picLocks noChangeAspect="1" noChangeArrowheads="1"/>
+          </p:cNvPicPr>
+          <p:nvPr/>
+        </p:nvPicPr>
+        <p:blipFill>
+          <a:blip r:embed="rId4">
+            <a:extLst>
+              <a:ext uri="{28A0092B-C50C-407E-A947-70E740481C1C}">
+                <a14:useLocalDpi xmlns:a14="http://schemas.microsoft.com/office/drawing/2010/main" val="0"/>
+              </a:ext>
+            </a:extLst>
+          </a:blip>
+          <a:srcRect/>
+          <a:stretch>
+            <a:fillRect/>
+          </a:stretch>
+        </p:blipFill>
+        <p:spPr bwMode="auto">
+          <a:xfrm>
+            <a:off x="6667324" y="3506937"/>
+            <a:ext cx="3219625" cy="4263139"/>
+          </a:xfrm>
+          <a:prstGeom prst="rect">
+            <a:avLst/>
+          </a:prstGeom>
+          <a:noFill/>
+          <a:extLst>
+            <a:ext uri="{909E8E84-426E-40DD-AFC4-6F175D3DCCD1}">
+              <a14:hiddenFill xmlns:a14="http://schemas.microsoft.com/office/drawing/2010/main">
+                <a:solidFill>
+                  <a:srgbClr val="FFFFFF"/>
+                </a:solidFill>
+              </a14:hiddenFill>
+            </a:ext>
+          </a:extLst>
+        </p:spPr>
+      </p:pic>
+      <p:pic>
+        <p:nvPicPr>
+          <p:cNvPr id="8" name="Picture 7">
+            <a:extLst>
+              <a:ext uri="{FF2B5EF4-FFF2-40B4-BE49-F238E27FC236}">
+                <a16:creationId xmlns:a16="http://schemas.microsoft.com/office/drawing/2014/main" id="{A7EB12B3-ABD1-4F66-B711-2F56838FDF0F}"/>
+              </a:ext>
+            </a:extLst>
+          </p:cNvPr>
+          <p:cNvPicPr>
+            <a:picLocks noChangeAspect="1"/>
+          </p:cNvPicPr>
+          <p:nvPr/>
+        </p:nvPicPr>
+        <p:blipFill>
+          <a:blip r:embed="rId5"/>
+          <a:stretch>
+            <a:fillRect/>
+          </a:stretch>
+        </p:blipFill>
+        <p:spPr>
+          <a:xfrm>
+            <a:off x="7449170" y="1568875"/>
+            <a:ext cx="1928717" cy="2595522"/>
+          </a:xfrm>
+          <a:prstGeom prst="rect">
+            <a:avLst/>
+          </a:prstGeom>
+        </p:spPr>
+      </p:pic>
+      <p:pic>
+        <p:nvPicPr>
+          <p:cNvPr id="9" name="Picture 8">
+            <a:extLst>
+              <a:ext uri="{FF2B5EF4-FFF2-40B4-BE49-F238E27FC236}">
+                <a16:creationId xmlns:a16="http://schemas.microsoft.com/office/drawing/2014/main" id="{33BA2B9D-3973-415B-BE07-E0282A4DFF8C}"/>
+              </a:ext>
+            </a:extLst>
+          </p:cNvPr>
+          <p:cNvPicPr>
+            <a:picLocks noChangeAspect="1"/>
+          </p:cNvPicPr>
+          <p:nvPr/>
+        </p:nvPicPr>
+        <p:blipFill>
+          <a:blip r:embed="rId6"/>
+          <a:stretch>
+            <a:fillRect/>
+          </a:stretch>
+        </p:blipFill>
+        <p:spPr>
+          <a:xfrm>
+            <a:off x="5514974" y="1568875"/>
+            <a:ext cx="1934197" cy="2595522"/>
+          </a:xfrm>
+          <a:prstGeom prst="rect">
+            <a:avLst/>
+          </a:prstGeom>
+        </p:spPr>
+      </p:pic>
+      <p:pic>
+        <p:nvPicPr>
+          <p:cNvPr id="4" name="Picture 3">
+            <a:extLst>
+              <a:ext uri="{FF2B5EF4-FFF2-40B4-BE49-F238E27FC236}">
+                <a16:creationId xmlns:a16="http://schemas.microsoft.com/office/drawing/2014/main" id="{71C6457D-7D4E-41AE-98DA-A6D0796DE8C5}"/>
+              </a:ext>
+            </a:extLst>
+          </p:cNvPr>
+          <p:cNvPicPr>
+            <a:picLocks noChangeAspect="1"/>
+          </p:cNvPicPr>
+          <p:nvPr/>
+        </p:nvPicPr>
+        <p:blipFill>
+          <a:blip r:embed="rId7"/>
+          <a:stretch>
+            <a:fillRect/>
+          </a:stretch>
+        </p:blipFill>
+        <p:spPr>
+          <a:xfrm>
+            <a:off x="1" y="0"/>
+            <a:ext cx="5514974" cy="4157156"/>
+          </a:xfrm>
+          <a:prstGeom prst="rect">
+            <a:avLst/>
+          </a:prstGeom>
+        </p:spPr>
+      </p:pic>
+      <p:pic>
+        <p:nvPicPr>
+          <p:cNvPr id="1032" name="Picture 8">
+            <a:extLst>
+              <a:ext uri="{FF2B5EF4-FFF2-40B4-BE49-F238E27FC236}">
+                <a16:creationId xmlns:a16="http://schemas.microsoft.com/office/drawing/2014/main" id="{3ED78C41-1293-4C67-8EC8-06E4E121A2E2}"/>
+              </a:ext>
+            </a:extLst>
+          </p:cNvPr>
+          <p:cNvPicPr>
+            <a:picLocks noChangeAspect="1" noChangeArrowheads="1"/>
+          </p:cNvPicPr>
+          <p:nvPr/>
+        </p:nvPicPr>
+        <p:blipFill>
+          <a:blip r:embed="rId8">
+            <a:extLst>
+              <a:ext uri="{28A0092B-C50C-407E-A947-70E740481C1C}">
+                <a14:useLocalDpi xmlns:a14="http://schemas.microsoft.com/office/drawing/2010/main" val="0"/>
+              </a:ext>
+            </a:extLst>
+          </a:blip>
+          <a:srcRect/>
+          <a:stretch>
+            <a:fillRect/>
+          </a:stretch>
+        </p:blipFill>
+        <p:spPr bwMode="auto">
+          <a:xfrm>
+            <a:off x="9815512" y="3686175"/>
+            <a:ext cx="2376488" cy="3171825"/>
+          </a:xfrm>
+          <a:prstGeom prst="rect">
+            <a:avLst/>
+          </a:prstGeom>
+          <a:noFill/>
+          <a:extLst>
+            <a:ext uri="{909E8E84-426E-40DD-AFC4-6F175D3DCCD1}">
+              <a14:hiddenFill xmlns:a14="http://schemas.microsoft.com/office/drawing/2010/main">
+                <a:solidFill>
+                  <a:srgbClr val="FFFFFF"/>
+                </a:solidFill>
+              </a14:hiddenFill>
+            </a:ext>
+          </a:extLst>
+        </p:spPr>
+      </p:pic>
+      <p:pic>
+        <p:nvPicPr>
+          <p:cNvPr id="10" name="Picture 9">
+            <a:extLst>
+              <a:ext uri="{FF2B5EF4-FFF2-40B4-BE49-F238E27FC236}">
+                <a16:creationId xmlns:a16="http://schemas.microsoft.com/office/drawing/2014/main" id="{2513A478-B01F-49F4-9E35-EE60B74798BA}"/>
+              </a:ext>
+            </a:extLst>
+          </p:cNvPr>
+          <p:cNvPicPr>
+            <a:picLocks noChangeAspect="1"/>
+          </p:cNvPicPr>
+          <p:nvPr/>
+        </p:nvPicPr>
+        <p:blipFill>
+          <a:blip r:embed="rId9"/>
+          <a:stretch>
+            <a:fillRect/>
+          </a:stretch>
+        </p:blipFill>
+        <p:spPr>
+          <a:xfrm>
+            <a:off x="5514974" y="23910"/>
+            <a:ext cx="6677025" cy="1460879"/>
+          </a:xfrm>
+          <a:prstGeom prst="rect">
+            <a:avLst/>
+          </a:prstGeom>
+        </p:spPr>
+      </p:pic>
+      <p:pic>
+        <p:nvPicPr>
+          <p:cNvPr id="1030" name="Picture 6">
+            <a:extLst>
+              <a:ext uri="{FF2B5EF4-FFF2-40B4-BE49-F238E27FC236}">
+                <a16:creationId xmlns:a16="http://schemas.microsoft.com/office/drawing/2014/main" id="{2D72AE08-166D-4F80-A2AA-EE2A7E77DE67}"/>
+              </a:ext>
+            </a:extLst>
+          </p:cNvPr>
+          <p:cNvPicPr>
+            <a:picLocks noChangeAspect="1" noChangeArrowheads="1"/>
+          </p:cNvPicPr>
+          <p:nvPr/>
+        </p:nvPicPr>
+        <p:blipFill>
+          <a:blip r:embed="rId10">
+            <a:extLst>
+              <a:ext uri="{28A0092B-C50C-407E-A947-70E740481C1C}">
+                <a14:useLocalDpi xmlns:a14="http://schemas.microsoft.com/office/drawing/2010/main" val="0"/>
+              </a:ext>
+            </a:extLst>
+          </a:blip>
+          <a:srcRect/>
+          <a:stretch>
+            <a:fillRect/>
+          </a:stretch>
+        </p:blipFill>
+        <p:spPr bwMode="auto">
+          <a:xfrm>
+            <a:off x="9377887" y="1568875"/>
+            <a:ext cx="2769237" cy="2602666"/>
+          </a:xfrm>
+          <a:prstGeom prst="rect">
+            <a:avLst/>
+          </a:prstGeom>
+          <a:noFill/>
+          <a:extLst>
+            <a:ext uri="{909E8E84-426E-40DD-AFC4-6F175D3DCCD1}">
+              <a14:hiddenFill xmlns:a14="http://schemas.microsoft.com/office/drawing/2010/main">
+                <a:solidFill>
+                  <a:srgbClr val="FFFFFF"/>
+                </a:solidFill>
+              </a14:hiddenFill>
+            </a:ext>
+          </a:extLst>
+        </p:spPr>
+      </p:pic>
+    </p:spTree>
+    <p:extLst>
+      <p:ext uri="{BB962C8B-B14F-4D97-AF65-F5344CB8AC3E}">
+        <p14:creationId xmlns:p14="http://schemas.microsoft.com/office/powerpoint/2010/main" val="1329266508"/>
+      </p:ext>
+    </p:extLst>
+  </p:cSld>
+  <p:clrMapOvr>
+    <a:masterClrMapping/>
+  </p:clrMapOvr>
+</p:sld>
+</file>
+
 <file path=ppt/theme/theme1.xml><?xml version="1.0" encoding="utf-8"?>
 <a:theme xmlns:a="http://schemas.openxmlformats.org/drawingml/2006/main" name="Office Theme">
   <a:themeElements>

--- a/scenarios/media/figures.pptx
+++ b/scenarios/media/figures.pptx
@@ -11,9 +11,7 @@
     <p:sldId id="1446" r:id="rId5"/>
     <p:sldId id="258" r:id="rId6"/>
     <p:sldId id="259" r:id="rId7"/>
-    <p:sldId id="1448" r:id="rId8"/>
-    <p:sldId id="1449" r:id="rId9"/>
-    <p:sldId id="1447" r:id="rId10"/>
+    <p:sldId id="1449" r:id="rId8"/>
   </p:sldIdLst>
   <p:sldSz cx="12192000" cy="6858000"/>
   <p:notesSz cx="6858000" cy="9144000"/>
@@ -5490,62 +5488,8 @@
         </p:blipFill>
         <p:spPr bwMode="auto">
           <a:xfrm>
-            <a:off x="7923020" y="971122"/>
-            <a:ext cx="3155695" cy="2965878"/>
-          </a:xfrm>
-          <a:prstGeom prst="rect">
-            <a:avLst/>
-          </a:prstGeom>
-          <a:noFill/>
-          <a:ln>
-            <a:solidFill>
-              <a:schemeClr val="accent1">
-                <a:lumMod val="75000"/>
-              </a:schemeClr>
-            </a:solidFill>
-          </a:ln>
-          <a:extLst>
-            <a:ext uri="{909E8E84-426E-40DD-AFC4-6F175D3DCCD1}">
-              <a14:hiddenFill xmlns:a14="http://schemas.microsoft.com/office/drawing/2010/main">
-                <a:solidFill>
-                  <a:srgbClr val="FFFFFF"/>
-                </a:solidFill>
-              </a14:hiddenFill>
-            </a:ext>
-          </a:extLst>
-        </p:spPr>
-      </p:pic>
-      <p:pic>
-        <p:nvPicPr>
-          <p:cNvPr id="6" name="Picture 4">
-            <a:extLst>
-              <a:ext uri="{FF2B5EF4-FFF2-40B4-BE49-F238E27FC236}">
-                <a16:creationId xmlns:a16="http://schemas.microsoft.com/office/drawing/2014/main" id="{13906CAB-95CA-4028-A55A-FE57FB8786D0}"/>
-              </a:ext>
-            </a:extLst>
-          </p:cNvPr>
-          <p:cNvPicPr>
-            <a:picLocks noChangeAspect="1" noChangeArrowheads="1"/>
-          </p:cNvPicPr>
-          <p:nvPr/>
-        </p:nvPicPr>
-        <p:blipFill>
-          <a:blip r:embed="rId3">
-            <a:extLst>
-              <a:ext uri="{28A0092B-C50C-407E-A947-70E740481C1C}">
-                <a14:useLocalDpi xmlns:a14="http://schemas.microsoft.com/office/drawing/2010/main" val="0"/>
-              </a:ext>
-            </a:extLst>
-          </a:blip>
-          <a:srcRect/>
-          <a:stretch>
-            <a:fillRect/>
-          </a:stretch>
-        </p:blipFill>
-        <p:spPr bwMode="auto">
-          <a:xfrm>
-            <a:off x="5493602" y="971123"/>
-            <a:ext cx="2267880" cy="3002923"/>
+            <a:off x="8692886" y="1731725"/>
+            <a:ext cx="2385829" cy="2242319"/>
           </a:xfrm>
           <a:prstGeom prst="rect">
             <a:avLst/>
@@ -5584,15 +5528,15 @@
           <p:nvPr/>
         </p:nvPicPr>
         <p:blipFill>
-          <a:blip r:embed="rId4"/>
+          <a:blip r:embed="rId3"/>
           <a:stretch>
             <a:fillRect/>
           </a:stretch>
         </p:blipFill>
         <p:spPr>
           <a:xfrm>
-            <a:off x="1727201" y="971123"/>
-            <a:ext cx="3650953" cy="2965877"/>
+            <a:off x="1727199" y="1731729"/>
+            <a:ext cx="2760260" cy="2242317"/>
           </a:xfrm>
           <a:prstGeom prst="rect">
             <a:avLst/>
@@ -5621,7 +5565,7 @@
           <p:nvPr/>
         </p:nvPicPr>
         <p:blipFill>
-          <a:blip r:embed="rId5"/>
+          <a:blip r:embed="rId4"/>
           <a:stretch>
             <a:fillRect/>
           </a:stretch>
@@ -5643,42 +5587,12 @@
           </a:ln>
         </p:spPr>
       </p:pic>
-    </p:spTree>
-    <p:extLst>
-      <p:ext uri="{BB962C8B-B14F-4D97-AF65-F5344CB8AC3E}">
-        <p14:creationId xmlns:p14="http://schemas.microsoft.com/office/powerpoint/2010/main" val="667907963"/>
-      </p:ext>
-    </p:extLst>
-  </p:cSld>
-  <p:clrMapOvr>
-    <a:masterClrMapping/>
-  </p:clrMapOvr>
-</p:sld>
-</file>
-
-<file path=ppt/slides/slide8.xml><?xml version="1.0" encoding="utf-8"?>
-<p:sld xmlns:a="http://schemas.openxmlformats.org/drawingml/2006/main" xmlns:r="http://schemas.openxmlformats.org/officeDocument/2006/relationships" xmlns:p="http://schemas.openxmlformats.org/presentationml/2006/main">
-  <p:cSld>
-    <p:spTree>
-      <p:nvGrpSpPr>
-        <p:cNvPr id="1" name=""/>
-        <p:cNvGrpSpPr/>
-        <p:nvPr/>
-      </p:nvGrpSpPr>
-      <p:grpSpPr>
-        <a:xfrm>
-          <a:off x="0" y="0"/>
-          <a:ext cx="0" cy="0"/>
-          <a:chOff x="0" y="0"/>
-          <a:chExt cx="0" cy="0"/>
-        </a:xfrm>
-      </p:grpSpPr>
       <p:pic>
         <p:nvPicPr>
-          <p:cNvPr id="4" name="Picture 6">
-            <a:extLst>
-              <a:ext uri="{FF2B5EF4-FFF2-40B4-BE49-F238E27FC236}">
-                <a16:creationId xmlns:a16="http://schemas.microsoft.com/office/drawing/2014/main" id="{C76889AB-A7B7-4F7D-A711-44B611B2B9B2}"/>
+          <p:cNvPr id="1026" name="Picture 2">
+            <a:extLst>
+              <a:ext uri="{FF2B5EF4-FFF2-40B4-BE49-F238E27FC236}">
+                <a16:creationId xmlns:a16="http://schemas.microsoft.com/office/drawing/2014/main" id="{3B2A314F-D7A1-4247-A824-7ED06F6C795E}"/>
               </a:ext>
             </a:extLst>
           </p:cNvPr>
@@ -5688,7 +5602,7 @@
           <p:nvPr/>
         </p:nvPicPr>
         <p:blipFill>
-          <a:blip r:embed="rId2">
+          <a:blip r:embed="rId5">
             <a:extLst>
               <a:ext uri="{28A0092B-C50C-407E-A947-70E740481C1C}">
                 <a14:useLocalDpi xmlns:a14="http://schemas.microsoft.com/office/drawing/2010/main" val="0"/>
@@ -5702,13 +5616,18 @@
         </p:blipFill>
         <p:spPr bwMode="auto">
           <a:xfrm>
-            <a:off x="6963598" y="608322"/>
-            <a:ext cx="3983804" cy="3744176"/>
+            <a:off x="4596355" y="1731728"/>
+            <a:ext cx="2242317" cy="2242317"/>
           </a:xfrm>
           <a:prstGeom prst="rect">
             <a:avLst/>
           </a:prstGeom>
           <a:noFill/>
+          <a:ln>
+            <a:solidFill>
+              <a:schemeClr val="accent1"/>
+            </a:solidFill>
+          </a:ln>
           <a:extLst>
             <a:ext uri="{909E8E84-426E-40DD-AFC4-6F175D3DCCD1}">
               <a14:hiddenFill xmlns:a14="http://schemas.microsoft.com/office/drawing/2010/main">
@@ -5720,310 +5639,66 @@
           </a:extLst>
         </p:spPr>
       </p:pic>
-      <p:pic>
-        <p:nvPicPr>
-          <p:cNvPr id="6" name="Picture 4">
-            <a:extLst>
-              <a:ext uri="{FF2B5EF4-FFF2-40B4-BE49-F238E27FC236}">
-                <a16:creationId xmlns:a16="http://schemas.microsoft.com/office/drawing/2014/main" id="{13906CAB-95CA-4028-A55A-FE57FB8786D0}"/>
-              </a:ext>
-            </a:extLst>
-          </p:cNvPr>
-          <p:cNvPicPr>
-            <a:picLocks noChangeAspect="1" noChangeArrowheads="1"/>
-          </p:cNvPicPr>
+      <p:sp>
+        <p:nvSpPr>
+          <p:cNvPr id="2" name="TextBox 1">
+            <a:extLst>
+              <a:ext uri="{FF2B5EF4-FFF2-40B4-BE49-F238E27FC236}">
+                <a16:creationId xmlns:a16="http://schemas.microsoft.com/office/drawing/2014/main" id="{BA541CB7-EE52-4D05-AA4B-1B5BF6A6371B}"/>
+              </a:ext>
+            </a:extLst>
+          </p:cNvPr>
+          <p:cNvSpPr txBox="1"/>
           <p:nvPr/>
-        </p:nvPicPr>
-        <p:blipFill>
-          <a:blip r:embed="rId3">
-            <a:extLst>
-              <a:ext uri="{28A0092B-C50C-407E-A947-70E740481C1C}">
-                <a14:useLocalDpi xmlns:a14="http://schemas.microsoft.com/office/drawing/2010/main" val="0"/>
-              </a:ext>
-            </a:extLst>
-          </a:blip>
-          <a:srcRect/>
-          <a:stretch>
-            <a:fillRect/>
-          </a:stretch>
-        </p:blipFill>
-        <p:spPr bwMode="auto">
+        </p:nvSpPr>
+        <p:spPr>
           <a:xfrm>
-            <a:off x="4060005" y="156458"/>
-            <a:ext cx="3219625" cy="4263139"/>
+            <a:off x="4587302" y="3327714"/>
+            <a:ext cx="1818383" cy="646331"/>
           </a:xfrm>
           <a:prstGeom prst="rect">
             <a:avLst/>
           </a:prstGeom>
           <a:noFill/>
-          <a:extLst>
-            <a:ext uri="{909E8E84-426E-40DD-AFC4-6F175D3DCCD1}">
-              <a14:hiddenFill xmlns:a14="http://schemas.microsoft.com/office/drawing/2010/main">
+        </p:spPr>
+        <p:txBody>
+          <a:bodyPr wrap="none" rtlCol="0">
+            <a:spAutoFit/>
+          </a:bodyPr>
+          <a:lstStyle/>
+          <a:p>
+            <a:r>
+              <a:rPr lang="en-US" dirty="0">
                 <a:solidFill>
-                  <a:srgbClr val="FFFFFF"/>
+                  <a:schemeClr val="bg1"/>
                 </a:solidFill>
-              </a14:hiddenFill>
-            </a:ext>
-          </a:extLst>
-        </p:spPr>
-      </p:pic>
+              </a:rPr>
+              <a:t>Label: cup</a:t>
+            </a:r>
+            <a:br>
+              <a:rPr lang="en-US" dirty="0">
+                <a:solidFill>
+                  <a:schemeClr val="bg1"/>
+                </a:solidFill>
+              </a:rPr>
+            </a:br>
+            <a:r>
+              <a:rPr lang="en-US" dirty="0">
+                <a:solidFill>
+                  <a:schemeClr val="bg1"/>
+                </a:solidFill>
+              </a:rPr>
+              <a:t>Confidence: 99%</a:t>
+            </a:r>
+          </a:p>
+        </p:txBody>
+      </p:sp>
       <p:pic>
         <p:nvPicPr>
-          <p:cNvPr id="8" name="Picture 7">
-            <a:extLst>
-              <a:ext uri="{FF2B5EF4-FFF2-40B4-BE49-F238E27FC236}">
-                <a16:creationId xmlns:a16="http://schemas.microsoft.com/office/drawing/2014/main" id="{80D2613F-75BB-4C54-B2DB-B87FD52E3412}"/>
-              </a:ext>
-            </a:extLst>
-          </p:cNvPr>
-          <p:cNvPicPr>
-            <a:picLocks noChangeAspect="1"/>
-          </p:cNvPicPr>
-          <p:nvPr/>
-        </p:nvPicPr>
-        <p:blipFill>
-          <a:blip r:embed="rId4"/>
-          <a:stretch>
-            <a:fillRect/>
-          </a:stretch>
-        </p:blipFill>
-        <p:spPr>
-          <a:xfrm>
-            <a:off x="1" y="971123"/>
-            <a:ext cx="4162425" cy="3381375"/>
-          </a:xfrm>
-          <a:prstGeom prst="rect">
-            <a:avLst/>
-          </a:prstGeom>
-        </p:spPr>
-      </p:pic>
-      <p:pic>
-        <p:nvPicPr>
-          <p:cNvPr id="9" name="Picture 8">
-            <a:extLst>
-              <a:ext uri="{FF2B5EF4-FFF2-40B4-BE49-F238E27FC236}">
-                <a16:creationId xmlns:a16="http://schemas.microsoft.com/office/drawing/2014/main" id="{597E02F2-399A-44F8-8BB6-C4E52CAD91C2}"/>
-              </a:ext>
-            </a:extLst>
-          </p:cNvPr>
-          <p:cNvPicPr>
-            <a:picLocks noChangeAspect="1"/>
-          </p:cNvPicPr>
-          <p:nvPr/>
-        </p:nvPicPr>
-        <p:blipFill>
-          <a:blip r:embed="rId5"/>
-          <a:stretch>
-            <a:fillRect/>
-          </a:stretch>
-        </p:blipFill>
-        <p:spPr>
-          <a:xfrm>
-            <a:off x="520701" y="4552686"/>
-            <a:ext cx="10045700" cy="2197919"/>
-          </a:xfrm>
-          <a:prstGeom prst="rect">
-            <a:avLst/>
-          </a:prstGeom>
-          <a:ln>
-            <a:solidFill>
-              <a:schemeClr val="bg1">
-                <a:lumMod val="65000"/>
-              </a:schemeClr>
-            </a:solidFill>
-          </a:ln>
-        </p:spPr>
-      </p:pic>
-    </p:spTree>
-    <p:extLst>
-      <p:ext uri="{BB962C8B-B14F-4D97-AF65-F5344CB8AC3E}">
-        <p14:creationId xmlns:p14="http://schemas.microsoft.com/office/powerpoint/2010/main" val="1335132706"/>
-      </p:ext>
-    </p:extLst>
-  </p:cSld>
-  <p:clrMapOvr>
-    <a:masterClrMapping/>
-  </p:clrMapOvr>
-</p:sld>
-</file>
-
-<file path=ppt/slides/slide9.xml><?xml version="1.0" encoding="utf-8"?>
-<p:sld xmlns:a="http://schemas.openxmlformats.org/drawingml/2006/main" xmlns:r="http://schemas.openxmlformats.org/officeDocument/2006/relationships" xmlns:p="http://schemas.openxmlformats.org/presentationml/2006/main">
-  <p:cSld>
-    <p:spTree>
-      <p:nvGrpSpPr>
-        <p:cNvPr id="1" name=""/>
-        <p:cNvGrpSpPr/>
-        <p:nvPr/>
-      </p:nvGrpSpPr>
-      <p:grpSpPr>
-        <a:xfrm>
-          <a:off x="0" y="0"/>
-          <a:ext cx="0" cy="0"/>
-          <a:chOff x="0" y="0"/>
-          <a:chExt cx="0" cy="0"/>
-        </a:xfrm>
-      </p:grpSpPr>
-      <p:pic>
-        <p:nvPicPr>
-          <p:cNvPr id="1026" name="Picture 2">
-            <a:extLst>
-              <a:ext uri="{FF2B5EF4-FFF2-40B4-BE49-F238E27FC236}">
-                <a16:creationId xmlns:a16="http://schemas.microsoft.com/office/drawing/2014/main" id="{C1A2ABCF-B59C-4AC5-A2BB-25321457EC44}"/>
-              </a:ext>
-            </a:extLst>
-          </p:cNvPr>
-          <p:cNvPicPr>
-            <a:picLocks noChangeAspect="1" noChangeArrowheads="1"/>
-          </p:cNvPicPr>
-          <p:nvPr/>
-        </p:nvPicPr>
-        <p:blipFill>
-          <a:blip r:embed="rId2">
-            <a:extLst>
-              <a:ext uri="{28A0092B-C50C-407E-A947-70E740481C1C}">
-                <a14:useLocalDpi xmlns:a14="http://schemas.microsoft.com/office/drawing/2010/main" val="0"/>
-              </a:ext>
-            </a:extLst>
-          </a:blip>
-          <a:srcRect/>
-          <a:stretch>
-            <a:fillRect/>
-          </a:stretch>
-        </p:blipFill>
-        <p:spPr bwMode="auto">
-          <a:xfrm>
-            <a:off x="0" y="4014787"/>
-            <a:ext cx="2857500" cy="2857500"/>
-          </a:xfrm>
-          <a:prstGeom prst="rect">
-            <a:avLst/>
-          </a:prstGeom>
-          <a:noFill/>
-          <a:extLst>
-            <a:ext uri="{909E8E84-426E-40DD-AFC4-6F175D3DCCD1}">
-              <a14:hiddenFill xmlns:a14="http://schemas.microsoft.com/office/drawing/2010/main">
-                <a:solidFill>
-                  <a:srgbClr val="FFFFFF"/>
-                </a:solidFill>
-              </a14:hiddenFill>
-            </a:ext>
-          </a:extLst>
-        </p:spPr>
-      </p:pic>
-      <p:pic>
-        <p:nvPicPr>
-          <p:cNvPr id="5" name="Picture 4">
-            <a:extLst>
-              <a:ext uri="{FF2B5EF4-FFF2-40B4-BE49-F238E27FC236}">
-                <a16:creationId xmlns:a16="http://schemas.microsoft.com/office/drawing/2014/main" id="{07E53B42-732E-4FDF-8E26-483F033B99E0}"/>
-              </a:ext>
-            </a:extLst>
-          </p:cNvPr>
-          <p:cNvPicPr>
-            <a:picLocks noChangeAspect="1"/>
-          </p:cNvPicPr>
-          <p:nvPr/>
-        </p:nvPicPr>
-        <p:blipFill>
-          <a:blip r:embed="rId3"/>
-          <a:stretch>
-            <a:fillRect/>
-          </a:stretch>
-        </p:blipFill>
-        <p:spPr>
-          <a:xfrm>
-            <a:off x="2857500" y="3447574"/>
-            <a:ext cx="3943350" cy="3417570"/>
-          </a:xfrm>
-          <a:prstGeom prst="rect">
-            <a:avLst/>
-          </a:prstGeom>
-        </p:spPr>
-      </p:pic>
-      <p:pic>
-        <p:nvPicPr>
-          <p:cNvPr id="1028" name="Picture 4">
-            <a:extLst>
-              <a:ext uri="{FF2B5EF4-FFF2-40B4-BE49-F238E27FC236}">
-                <a16:creationId xmlns:a16="http://schemas.microsoft.com/office/drawing/2014/main" id="{374E04C1-0521-4870-A175-5458B86A89C0}"/>
-              </a:ext>
-            </a:extLst>
-          </p:cNvPr>
-          <p:cNvPicPr>
-            <a:picLocks noChangeAspect="1" noChangeArrowheads="1"/>
-          </p:cNvPicPr>
-          <p:nvPr/>
-        </p:nvPicPr>
-        <p:blipFill>
-          <a:blip r:embed="rId4">
-            <a:extLst>
-              <a:ext uri="{28A0092B-C50C-407E-A947-70E740481C1C}">
-                <a14:useLocalDpi xmlns:a14="http://schemas.microsoft.com/office/drawing/2010/main" val="0"/>
-              </a:ext>
-            </a:extLst>
-          </a:blip>
-          <a:srcRect/>
-          <a:stretch>
-            <a:fillRect/>
-          </a:stretch>
-        </p:blipFill>
-        <p:spPr bwMode="auto">
-          <a:xfrm>
-            <a:off x="6667324" y="3506937"/>
-            <a:ext cx="3219625" cy="4263139"/>
-          </a:xfrm>
-          <a:prstGeom prst="rect">
-            <a:avLst/>
-          </a:prstGeom>
-          <a:noFill/>
-          <a:extLst>
-            <a:ext uri="{909E8E84-426E-40DD-AFC4-6F175D3DCCD1}">
-              <a14:hiddenFill xmlns:a14="http://schemas.microsoft.com/office/drawing/2010/main">
-                <a:solidFill>
-                  <a:srgbClr val="FFFFFF"/>
-                </a:solidFill>
-              </a14:hiddenFill>
-            </a:ext>
-          </a:extLst>
-        </p:spPr>
-      </p:pic>
-      <p:pic>
-        <p:nvPicPr>
-          <p:cNvPr id="8" name="Picture 7">
-            <a:extLst>
-              <a:ext uri="{FF2B5EF4-FFF2-40B4-BE49-F238E27FC236}">
-                <a16:creationId xmlns:a16="http://schemas.microsoft.com/office/drawing/2014/main" id="{A7EB12B3-ABD1-4F66-B711-2F56838FDF0F}"/>
-              </a:ext>
-            </a:extLst>
-          </p:cNvPr>
-          <p:cNvPicPr>
-            <a:picLocks noChangeAspect="1"/>
-          </p:cNvPicPr>
-          <p:nvPr/>
-        </p:nvPicPr>
-        <p:blipFill>
-          <a:blip r:embed="rId5"/>
-          <a:stretch>
-            <a:fillRect/>
-          </a:stretch>
-        </p:blipFill>
-        <p:spPr>
-          <a:xfrm>
-            <a:off x="7449170" y="1568875"/>
-            <a:ext cx="1928717" cy="2595522"/>
-          </a:xfrm>
-          <a:prstGeom prst="rect">
-            <a:avLst/>
-          </a:prstGeom>
-        </p:spPr>
-      </p:pic>
-      <p:pic>
-        <p:nvPicPr>
-          <p:cNvPr id="9" name="Picture 8">
-            <a:extLst>
-              <a:ext uri="{FF2B5EF4-FFF2-40B4-BE49-F238E27FC236}">
-                <a16:creationId xmlns:a16="http://schemas.microsoft.com/office/drawing/2014/main" id="{33BA2B9D-3973-415B-BE07-E0282A4DFF8C}"/>
+          <p:cNvPr id="7" name="Picture 6">
+            <a:extLst>
+              <a:ext uri="{FF2B5EF4-FFF2-40B4-BE49-F238E27FC236}">
+                <a16:creationId xmlns:a16="http://schemas.microsoft.com/office/drawing/2014/main" id="{4C885915-58C6-4EF0-A156-7DDFAD179D8C}"/>
               </a:ext>
             </a:extLst>
           </p:cNvPr>
@@ -6040,172 +5715,23 @@
         </p:blipFill>
         <p:spPr>
           <a:xfrm>
-            <a:off x="5514974" y="1568875"/>
-            <a:ext cx="1934197" cy="2595522"/>
+            <a:off x="6947568" y="1731725"/>
+            <a:ext cx="1653460" cy="2242319"/>
           </a:xfrm>
           <a:prstGeom prst="rect">
             <a:avLst/>
           </a:prstGeom>
-        </p:spPr>
-      </p:pic>
-      <p:pic>
-        <p:nvPicPr>
-          <p:cNvPr id="4" name="Picture 3">
-            <a:extLst>
-              <a:ext uri="{FF2B5EF4-FFF2-40B4-BE49-F238E27FC236}">
-                <a16:creationId xmlns:a16="http://schemas.microsoft.com/office/drawing/2014/main" id="{71C6457D-7D4E-41AE-98DA-A6D0796DE8C5}"/>
-              </a:ext>
-            </a:extLst>
-          </p:cNvPr>
-          <p:cNvPicPr>
-            <a:picLocks noChangeAspect="1"/>
-          </p:cNvPicPr>
-          <p:nvPr/>
-        </p:nvPicPr>
-        <p:blipFill>
-          <a:blip r:embed="rId7"/>
-          <a:stretch>
-            <a:fillRect/>
-          </a:stretch>
-        </p:blipFill>
-        <p:spPr>
-          <a:xfrm>
-            <a:off x="1" y="0"/>
-            <a:ext cx="5514974" cy="4157156"/>
-          </a:xfrm>
-          <a:prstGeom prst="rect">
-            <a:avLst/>
-          </a:prstGeom>
-        </p:spPr>
-      </p:pic>
-      <p:pic>
-        <p:nvPicPr>
-          <p:cNvPr id="1032" name="Picture 8">
-            <a:extLst>
-              <a:ext uri="{FF2B5EF4-FFF2-40B4-BE49-F238E27FC236}">
-                <a16:creationId xmlns:a16="http://schemas.microsoft.com/office/drawing/2014/main" id="{3ED78C41-1293-4C67-8EC8-06E4E121A2E2}"/>
-              </a:ext>
-            </a:extLst>
-          </p:cNvPr>
-          <p:cNvPicPr>
-            <a:picLocks noChangeAspect="1" noChangeArrowheads="1"/>
-          </p:cNvPicPr>
-          <p:nvPr/>
-        </p:nvPicPr>
-        <p:blipFill>
-          <a:blip r:embed="rId8">
-            <a:extLst>
-              <a:ext uri="{28A0092B-C50C-407E-A947-70E740481C1C}">
-                <a14:useLocalDpi xmlns:a14="http://schemas.microsoft.com/office/drawing/2010/main" val="0"/>
-              </a:ext>
-            </a:extLst>
-          </a:blip>
-          <a:srcRect/>
-          <a:stretch>
-            <a:fillRect/>
-          </a:stretch>
-        </p:blipFill>
-        <p:spPr bwMode="auto">
-          <a:xfrm>
-            <a:off x="9815512" y="3686175"/>
-            <a:ext cx="2376488" cy="3171825"/>
-          </a:xfrm>
-          <a:prstGeom prst="rect">
-            <a:avLst/>
-          </a:prstGeom>
-          <a:noFill/>
-          <a:extLst>
-            <a:ext uri="{909E8E84-426E-40DD-AFC4-6F175D3DCCD1}">
-              <a14:hiddenFill xmlns:a14="http://schemas.microsoft.com/office/drawing/2010/main">
-                <a:solidFill>
-                  <a:srgbClr val="FFFFFF"/>
-                </a:solidFill>
-              </a14:hiddenFill>
-            </a:ext>
-          </a:extLst>
-        </p:spPr>
-      </p:pic>
-      <p:pic>
-        <p:nvPicPr>
-          <p:cNvPr id="10" name="Picture 9">
-            <a:extLst>
-              <a:ext uri="{FF2B5EF4-FFF2-40B4-BE49-F238E27FC236}">
-                <a16:creationId xmlns:a16="http://schemas.microsoft.com/office/drawing/2014/main" id="{2513A478-B01F-49F4-9E35-EE60B74798BA}"/>
-              </a:ext>
-            </a:extLst>
-          </p:cNvPr>
-          <p:cNvPicPr>
-            <a:picLocks noChangeAspect="1"/>
-          </p:cNvPicPr>
-          <p:nvPr/>
-        </p:nvPicPr>
-        <p:blipFill>
-          <a:blip r:embed="rId9"/>
-          <a:stretch>
-            <a:fillRect/>
-          </a:stretch>
-        </p:blipFill>
-        <p:spPr>
-          <a:xfrm>
-            <a:off x="5514974" y="23910"/>
-            <a:ext cx="6677025" cy="1460879"/>
-          </a:xfrm>
-          <a:prstGeom prst="rect">
-            <a:avLst/>
-          </a:prstGeom>
-        </p:spPr>
-      </p:pic>
-      <p:pic>
-        <p:nvPicPr>
-          <p:cNvPr id="1030" name="Picture 6">
-            <a:extLst>
-              <a:ext uri="{FF2B5EF4-FFF2-40B4-BE49-F238E27FC236}">
-                <a16:creationId xmlns:a16="http://schemas.microsoft.com/office/drawing/2014/main" id="{2D72AE08-166D-4F80-A2AA-EE2A7E77DE67}"/>
-              </a:ext>
-            </a:extLst>
-          </p:cNvPr>
-          <p:cNvPicPr>
-            <a:picLocks noChangeAspect="1" noChangeArrowheads="1"/>
-          </p:cNvPicPr>
-          <p:nvPr/>
-        </p:nvPicPr>
-        <p:blipFill>
-          <a:blip r:embed="rId10">
-            <a:extLst>
-              <a:ext uri="{28A0092B-C50C-407E-A947-70E740481C1C}">
-                <a14:useLocalDpi xmlns:a14="http://schemas.microsoft.com/office/drawing/2010/main" val="0"/>
-              </a:ext>
-            </a:extLst>
-          </a:blip>
-          <a:srcRect/>
-          <a:stretch>
-            <a:fillRect/>
-          </a:stretch>
-        </p:blipFill>
-        <p:spPr bwMode="auto">
-          <a:xfrm>
-            <a:off x="9377887" y="1568875"/>
-            <a:ext cx="2769237" cy="2602666"/>
-          </a:xfrm>
-          <a:prstGeom prst="rect">
-            <a:avLst/>
-          </a:prstGeom>
-          <a:noFill/>
-          <a:extLst>
-            <a:ext uri="{909E8E84-426E-40DD-AFC4-6F175D3DCCD1}">
-              <a14:hiddenFill xmlns:a14="http://schemas.microsoft.com/office/drawing/2010/main">
-                <a:solidFill>
-                  <a:srgbClr val="FFFFFF"/>
-                </a:solidFill>
-              </a14:hiddenFill>
-            </a:ext>
-          </a:extLst>
+          <a:ln>
+            <a:solidFill>
+              <a:schemeClr val="accent1"/>
+            </a:solidFill>
+          </a:ln>
         </p:spPr>
       </p:pic>
     </p:spTree>
     <p:extLst>
       <p:ext uri="{BB962C8B-B14F-4D97-AF65-F5344CB8AC3E}">
-        <p14:creationId xmlns:p14="http://schemas.microsoft.com/office/powerpoint/2010/main" val="1329266508"/>
+        <p14:creationId xmlns:p14="http://schemas.microsoft.com/office/powerpoint/2010/main" val="157510964"/>
       </p:ext>
     </p:extLst>
   </p:cSld>

--- a/scenarios/media/figures.pptx
+++ b/scenarios/media/figures.pptx
@@ -8,8 +8,10 @@
     <p:sldId id="1445" r:id="rId2"/>
     <p:sldId id="256" r:id="rId3"/>
     <p:sldId id="257" r:id="rId4"/>
-    <p:sldId id="258" r:id="rId5"/>
-    <p:sldId id="259" r:id="rId6"/>
+    <p:sldId id="1446" r:id="rId5"/>
+    <p:sldId id="258" r:id="rId6"/>
+    <p:sldId id="259" r:id="rId7"/>
+    <p:sldId id="1449" r:id="rId8"/>
   </p:sldIdLst>
   <p:sldSz cx="12192000" cy="6858000"/>
   <p:notesSz cx="6858000" cy="9144000"/>
@@ -263,7 +265,7 @@
           <a:p>
             <a:fld id="{4A8D7B51-23EF-4970-8150-2BD12F42C3C7}" type="datetimeFigureOut">
               <a:rPr lang="en-US" smtClean="0"/>
-              <a:t>6/10/2019</a:t>
+              <a:t>1/22/2020</a:t>
             </a:fld>
             <a:endParaRPr lang="en-US"/>
           </a:p>
@@ -461,7 +463,7 @@
           <a:p>
             <a:fld id="{4A8D7B51-23EF-4970-8150-2BD12F42C3C7}" type="datetimeFigureOut">
               <a:rPr lang="en-US" smtClean="0"/>
-              <a:t>6/10/2019</a:t>
+              <a:t>1/22/2020</a:t>
             </a:fld>
             <a:endParaRPr lang="en-US"/>
           </a:p>
@@ -669,7 +671,7 @@
           <a:p>
             <a:fld id="{4A8D7B51-23EF-4970-8150-2BD12F42C3C7}" type="datetimeFigureOut">
               <a:rPr lang="en-US" smtClean="0"/>
-              <a:t>6/10/2019</a:t>
+              <a:t>1/22/2020</a:t>
             </a:fld>
             <a:endParaRPr lang="en-US"/>
           </a:p>
@@ -867,7 +869,7 @@
           <a:p>
             <a:fld id="{4A8D7B51-23EF-4970-8150-2BD12F42C3C7}" type="datetimeFigureOut">
               <a:rPr lang="en-US" smtClean="0"/>
-              <a:t>6/10/2019</a:t>
+              <a:t>1/22/2020</a:t>
             </a:fld>
             <a:endParaRPr lang="en-US"/>
           </a:p>
@@ -1142,7 +1144,7 @@
           <a:p>
             <a:fld id="{4A8D7B51-23EF-4970-8150-2BD12F42C3C7}" type="datetimeFigureOut">
               <a:rPr lang="en-US" smtClean="0"/>
-              <a:t>6/10/2019</a:t>
+              <a:t>1/22/2020</a:t>
             </a:fld>
             <a:endParaRPr lang="en-US"/>
           </a:p>
@@ -1407,7 +1409,7 @@
           <a:p>
             <a:fld id="{4A8D7B51-23EF-4970-8150-2BD12F42C3C7}" type="datetimeFigureOut">
               <a:rPr lang="en-US" smtClean="0"/>
-              <a:t>6/10/2019</a:t>
+              <a:t>1/22/2020</a:t>
             </a:fld>
             <a:endParaRPr lang="en-US"/>
           </a:p>
@@ -1819,7 +1821,7 @@
           <a:p>
             <a:fld id="{4A8D7B51-23EF-4970-8150-2BD12F42C3C7}" type="datetimeFigureOut">
               <a:rPr lang="en-US" smtClean="0"/>
-              <a:t>6/10/2019</a:t>
+              <a:t>1/22/2020</a:t>
             </a:fld>
             <a:endParaRPr lang="en-US"/>
           </a:p>
@@ -1960,7 +1962,7 @@
           <a:p>
             <a:fld id="{4A8D7B51-23EF-4970-8150-2BD12F42C3C7}" type="datetimeFigureOut">
               <a:rPr lang="en-US" smtClean="0"/>
-              <a:t>6/10/2019</a:t>
+              <a:t>1/22/2020</a:t>
             </a:fld>
             <a:endParaRPr lang="en-US"/>
           </a:p>
@@ -2073,7 +2075,7 @@
           <a:p>
             <a:fld id="{4A8D7B51-23EF-4970-8150-2BD12F42C3C7}" type="datetimeFigureOut">
               <a:rPr lang="en-US" smtClean="0"/>
-              <a:t>6/10/2019</a:t>
+              <a:t>1/22/2020</a:t>
             </a:fld>
             <a:endParaRPr lang="en-US"/>
           </a:p>
@@ -2384,7 +2386,7 @@
           <a:p>
             <a:fld id="{4A8D7B51-23EF-4970-8150-2BD12F42C3C7}" type="datetimeFigureOut">
               <a:rPr lang="en-US" smtClean="0"/>
-              <a:t>6/10/2019</a:t>
+              <a:t>1/22/2020</a:t>
             </a:fld>
             <a:endParaRPr lang="en-US"/>
           </a:p>
@@ -2672,7 +2674,7 @@
           <a:p>
             <a:fld id="{4A8D7B51-23EF-4970-8150-2BD12F42C3C7}" type="datetimeFigureOut">
               <a:rPr lang="en-US" smtClean="0"/>
-              <a:t>6/10/2019</a:t>
+              <a:t>1/22/2020</a:t>
             </a:fld>
             <a:endParaRPr lang="en-US"/>
           </a:p>
@@ -2913,7 +2915,7 @@
           <a:p>
             <a:fld id="{4A8D7B51-23EF-4970-8150-2BD12F42C3C7}" type="datetimeFigureOut">
               <a:rPr lang="en-US" smtClean="0"/>
-              <a:t>6/10/2019</a:t>
+              <a:t>1/22/2020</a:t>
             </a:fld>
             <a:endParaRPr lang="en-US"/>
           </a:p>
@@ -3893,6 +3895,346 @@
 </file>
 
 <file path=ppt/slides/slide4.xml><?xml version="1.0" encoding="utf-8"?>
+<p:sld xmlns:a="http://schemas.openxmlformats.org/drawingml/2006/main" xmlns:r="http://schemas.openxmlformats.org/officeDocument/2006/relationships" xmlns:p="http://schemas.openxmlformats.org/presentationml/2006/main">
+  <p:cSld>
+    <p:spTree>
+      <p:nvGrpSpPr>
+        <p:cNvPr id="1" name=""/>
+        <p:cNvGrpSpPr/>
+        <p:nvPr/>
+      </p:nvGrpSpPr>
+      <p:grpSpPr>
+        <a:xfrm>
+          <a:off x="0" y="0"/>
+          <a:ext cx="0" cy="0"/>
+          <a:chOff x="0" y="0"/>
+          <a:chExt cx="0" cy="0"/>
+        </a:xfrm>
+      </p:grpSpPr>
+      <p:pic>
+        <p:nvPicPr>
+          <p:cNvPr id="7" name="Picture 6">
+            <a:extLst>
+              <a:ext uri="{FF2B5EF4-FFF2-40B4-BE49-F238E27FC236}">
+                <a16:creationId xmlns:a16="http://schemas.microsoft.com/office/drawing/2014/main" id="{5E590FDD-2874-4B9A-AC87-3B6A3783D372}"/>
+              </a:ext>
+            </a:extLst>
+          </p:cNvPr>
+          <p:cNvPicPr>
+            <a:picLocks noChangeAspect="1"/>
+          </p:cNvPicPr>
+          <p:nvPr/>
+        </p:nvPicPr>
+        <p:blipFill>
+          <a:blip r:embed="rId2">
+            <a:extLst>
+              <a:ext uri="{28A0092B-C50C-407E-A947-70E740481C1C}">
+                <a14:useLocalDpi xmlns:a14="http://schemas.microsoft.com/office/drawing/2010/main"/>
+              </a:ext>
+            </a:extLst>
+          </a:blip>
+          <a:stretch>
+            <a:fillRect/>
+          </a:stretch>
+        </p:blipFill>
+        <p:spPr>
+          <a:xfrm>
+            <a:off x="2985809" y="1919467"/>
+            <a:ext cx="1889155" cy="2520557"/>
+          </a:xfrm>
+          <a:prstGeom prst="rect">
+            <a:avLst/>
+          </a:prstGeom>
+        </p:spPr>
+      </p:pic>
+      <p:cxnSp>
+        <p:nvCxnSpPr>
+          <p:cNvPr id="9" name="Straight Arrow Connector 8">
+            <a:extLst>
+              <a:ext uri="{FF2B5EF4-FFF2-40B4-BE49-F238E27FC236}">
+                <a16:creationId xmlns:a16="http://schemas.microsoft.com/office/drawing/2014/main" id="{BFF844AD-68A0-4DF7-BDFC-C6C9B1864BE5}"/>
+              </a:ext>
+            </a:extLst>
+          </p:cNvPr>
+          <p:cNvCxnSpPr/>
+          <p:nvPr/>
+        </p:nvCxnSpPr>
+        <p:spPr>
+          <a:xfrm>
+            <a:off x="5011534" y="3179745"/>
+            <a:ext cx="1263192" cy="0"/>
+          </a:xfrm>
+          <a:prstGeom prst="straightConnector1">
+            <a:avLst/>
+          </a:prstGeom>
+          <a:ln>
+            <a:tailEnd type="triangle"/>
+          </a:ln>
+        </p:spPr>
+        <p:style>
+          <a:lnRef idx="1">
+            <a:schemeClr val="accent1"/>
+          </a:lnRef>
+          <a:fillRef idx="0">
+            <a:schemeClr val="accent1"/>
+          </a:fillRef>
+          <a:effectRef idx="0">
+            <a:schemeClr val="accent1"/>
+          </a:effectRef>
+          <a:fontRef idx="minor">
+            <a:schemeClr val="tx1"/>
+          </a:fontRef>
+        </p:style>
+      </p:cxnSp>
+      <p:pic>
+        <p:nvPicPr>
+          <p:cNvPr id="5" name="Picture 4">
+            <a:extLst>
+              <a:ext uri="{FF2B5EF4-FFF2-40B4-BE49-F238E27FC236}">
+                <a16:creationId xmlns:a16="http://schemas.microsoft.com/office/drawing/2014/main" id="{91028F4C-003D-406C-B1A7-7FB981785AA5}"/>
+              </a:ext>
+            </a:extLst>
+          </p:cNvPr>
+          <p:cNvPicPr>
+            <a:picLocks noChangeAspect="1"/>
+          </p:cNvPicPr>
+          <p:nvPr/>
+        </p:nvPicPr>
+        <p:blipFill>
+          <a:blip r:embed="rId2">
+            <a:alphaModFix amt="18000"/>
+            <a:extLst>
+              <a:ext uri="{28A0092B-C50C-407E-A947-70E740481C1C}">
+                <a14:useLocalDpi xmlns:a14="http://schemas.microsoft.com/office/drawing/2010/main"/>
+              </a:ext>
+            </a:extLst>
+          </a:blip>
+          <a:stretch>
+            <a:fillRect/>
+          </a:stretch>
+        </p:blipFill>
+        <p:spPr>
+          <a:xfrm>
+            <a:off x="6372460" y="1919466"/>
+            <a:ext cx="1889155" cy="2520557"/>
+          </a:xfrm>
+          <a:prstGeom prst="rect">
+            <a:avLst/>
+          </a:prstGeom>
+          <a:effectLst>
+            <a:outerShdw blurRad="50800" dist="50800" dir="5400000" algn="ctr" rotWithShape="0">
+              <a:srgbClr val="000000"/>
+            </a:outerShdw>
+          </a:effectLst>
+        </p:spPr>
+      </p:pic>
+      <p:sp>
+        <p:nvSpPr>
+          <p:cNvPr id="8" name="TextBox 7">
+            <a:extLst>
+              <a:ext uri="{FF2B5EF4-FFF2-40B4-BE49-F238E27FC236}">
+                <a16:creationId xmlns:a16="http://schemas.microsoft.com/office/drawing/2014/main" id="{3C6D3A0D-E6D7-4B1B-8BB8-95D2A6DB007B}"/>
+              </a:ext>
+            </a:extLst>
+          </p:cNvPr>
+          <p:cNvSpPr txBox="1"/>
+          <p:nvPr/>
+        </p:nvSpPr>
+        <p:spPr>
+          <a:xfrm>
+            <a:off x="8359348" y="2579580"/>
+            <a:ext cx="3576403" cy="1477328"/>
+          </a:xfrm>
+          <a:prstGeom prst="rect">
+            <a:avLst/>
+          </a:prstGeom>
+          <a:noFill/>
+        </p:spPr>
+        <p:txBody>
+          <a:bodyPr wrap="square" rtlCol="0">
+            <a:spAutoFit/>
+          </a:bodyPr>
+          <a:lstStyle/>
+          <a:p>
+            <a:br>
+              <a:rPr lang="en-US" dirty="0">
+                <a:latin typeface="+mj-lt"/>
+              </a:rPr>
+            </a:br>
+            <a:r>
+              <a:rPr lang="en-US" dirty="0">
+                <a:latin typeface="+mj-lt"/>
+              </a:rPr>
+              <a:t>Found 2 key-points:</a:t>
+            </a:r>
+          </a:p>
+          <a:p>
+            <a:r>
+              <a:rPr lang="en-US" dirty="0">
+                <a:latin typeface="+mj-lt"/>
+              </a:rPr>
+              <a:t>   Bottle-lid: at position (150,50)</a:t>
+            </a:r>
+          </a:p>
+          <a:p>
+            <a:r>
+              <a:rPr lang="en-US" dirty="0">
+                <a:latin typeface="+mj-lt"/>
+              </a:rPr>
+              <a:t>   Bottle-bottom: at position (150,80)</a:t>
+            </a:r>
+          </a:p>
+          <a:p>
+            <a:endParaRPr lang="en-US" dirty="0">
+              <a:latin typeface="+mj-lt"/>
+            </a:endParaRPr>
+          </a:p>
+        </p:txBody>
+      </p:sp>
+      <p:sp>
+        <p:nvSpPr>
+          <p:cNvPr id="10" name="Multiplication Sign 9">
+            <a:extLst>
+              <a:ext uri="{FF2B5EF4-FFF2-40B4-BE49-F238E27FC236}">
+                <a16:creationId xmlns:a16="http://schemas.microsoft.com/office/drawing/2014/main" id="{E3B80075-2F03-4393-BB76-114573B5EE87}"/>
+              </a:ext>
+            </a:extLst>
+          </p:cNvPr>
+          <p:cNvSpPr/>
+          <p:nvPr/>
+        </p:nvSpPr>
+        <p:spPr>
+          <a:xfrm>
+            <a:off x="7240618" y="2162132"/>
+            <a:ext cx="311001" cy="311001"/>
+          </a:xfrm>
+          <a:prstGeom prst="mathMultiply">
+            <a:avLst/>
+          </a:prstGeom>
+        </p:spPr>
+        <p:style>
+          <a:lnRef idx="2">
+            <a:schemeClr val="accent1">
+              <a:shade val="50000"/>
+            </a:schemeClr>
+          </a:lnRef>
+          <a:fillRef idx="1">
+            <a:schemeClr val="accent1"/>
+          </a:fillRef>
+          <a:effectRef idx="0">
+            <a:schemeClr val="accent1"/>
+          </a:effectRef>
+          <a:fontRef idx="minor">
+            <a:schemeClr val="lt1"/>
+          </a:fontRef>
+        </p:style>
+        <p:txBody>
+          <a:bodyPr rtlCol="0" anchor="ctr"/>
+          <a:lstStyle/>
+          <a:p>
+            <a:pPr algn="ctr"/>
+            <a:endParaRPr lang="en-US"/>
+          </a:p>
+        </p:txBody>
+      </p:sp>
+      <p:sp>
+        <p:nvSpPr>
+          <p:cNvPr id="14" name="Multiplication Sign 13">
+            <a:extLst>
+              <a:ext uri="{FF2B5EF4-FFF2-40B4-BE49-F238E27FC236}">
+                <a16:creationId xmlns:a16="http://schemas.microsoft.com/office/drawing/2014/main" id="{AEDDF8DD-556C-439C-890A-8948F85A2827}"/>
+              </a:ext>
+            </a:extLst>
+          </p:cNvPr>
+          <p:cNvSpPr/>
+          <p:nvPr/>
+        </p:nvSpPr>
+        <p:spPr>
+          <a:xfrm>
+            <a:off x="7161535" y="3690846"/>
+            <a:ext cx="311001" cy="311001"/>
+          </a:xfrm>
+          <a:prstGeom prst="mathMultiply">
+            <a:avLst/>
+          </a:prstGeom>
+        </p:spPr>
+        <p:style>
+          <a:lnRef idx="2">
+            <a:schemeClr val="accent1">
+              <a:shade val="50000"/>
+            </a:schemeClr>
+          </a:lnRef>
+          <a:fillRef idx="1">
+            <a:schemeClr val="accent1"/>
+          </a:fillRef>
+          <a:effectRef idx="0">
+            <a:schemeClr val="accent1"/>
+          </a:effectRef>
+          <a:fontRef idx="minor">
+            <a:schemeClr val="lt1"/>
+          </a:fontRef>
+        </p:style>
+        <p:txBody>
+          <a:bodyPr rtlCol="0" anchor="ctr"/>
+          <a:lstStyle/>
+          <a:p>
+            <a:pPr algn="ctr"/>
+            <a:endParaRPr lang="en-US"/>
+          </a:p>
+        </p:txBody>
+      </p:sp>
+      <p:cxnSp>
+        <p:nvCxnSpPr>
+          <p:cNvPr id="16" name="Straight Connector 15">
+            <a:extLst>
+              <a:ext uri="{FF2B5EF4-FFF2-40B4-BE49-F238E27FC236}">
+                <a16:creationId xmlns:a16="http://schemas.microsoft.com/office/drawing/2014/main" id="{7ACA46E0-FC49-475D-B4D7-9654FEFCEDF8}"/>
+              </a:ext>
+            </a:extLst>
+          </p:cNvPr>
+          <p:cNvCxnSpPr>
+            <a:cxnSpLocks/>
+          </p:cNvCxnSpPr>
+          <p:nvPr/>
+        </p:nvCxnSpPr>
+        <p:spPr>
+          <a:xfrm flipH="1">
+            <a:off x="7317036" y="2360222"/>
+            <a:ext cx="79083" cy="1528250"/>
+          </a:xfrm>
+          <a:prstGeom prst="line">
+            <a:avLst/>
+          </a:prstGeom>
+        </p:spPr>
+        <p:style>
+          <a:lnRef idx="3">
+            <a:schemeClr val="accent1"/>
+          </a:lnRef>
+          <a:fillRef idx="0">
+            <a:schemeClr val="accent1"/>
+          </a:fillRef>
+          <a:effectRef idx="2">
+            <a:schemeClr val="accent1"/>
+          </a:effectRef>
+          <a:fontRef idx="minor">
+            <a:schemeClr val="tx1"/>
+          </a:fontRef>
+        </p:style>
+      </p:cxnSp>
+    </p:spTree>
+    <p:extLst>
+      <p:ext uri="{BB962C8B-B14F-4D97-AF65-F5344CB8AC3E}">
+        <p14:creationId xmlns:p14="http://schemas.microsoft.com/office/powerpoint/2010/main" val="3974724668"/>
+      </p:ext>
+    </p:extLst>
+  </p:cSld>
+  <p:clrMapOvr>
+    <a:masterClrMapping/>
+  </p:clrMapOvr>
+</p:sld>
+</file>
+
+<file path=ppt/slides/slide5.xml><?xml version="1.0" encoding="utf-8"?>
 <p:sld xmlns:a="http://schemas.openxmlformats.org/drawingml/2006/main" xmlns:r="http://schemas.openxmlformats.org/officeDocument/2006/relationships" xmlns:p="http://schemas.openxmlformats.org/presentationml/2006/main">
   <p:cSld>
     <p:spTree>
@@ -4793,7 +5135,7 @@
 </p:sld>
 </file>
 
-<file path=ppt/slides/slide5.xml><?xml version="1.0" encoding="utf-8"?>
+<file path=ppt/slides/slide6.xml><?xml version="1.0" encoding="utf-8"?>
 <p:sld xmlns:a="http://schemas.openxmlformats.org/drawingml/2006/main" xmlns:r="http://schemas.openxmlformats.org/officeDocument/2006/relationships" xmlns:p="http://schemas.openxmlformats.org/presentationml/2006/main">
   <p:cSld>
     <p:spTree>
@@ -5091,6 +5433,305 @@
     <p:extLst>
       <p:ext uri="{BB962C8B-B14F-4D97-AF65-F5344CB8AC3E}">
         <p14:creationId xmlns:p14="http://schemas.microsoft.com/office/powerpoint/2010/main" val="1775310696"/>
+      </p:ext>
+    </p:extLst>
+  </p:cSld>
+  <p:clrMapOvr>
+    <a:masterClrMapping/>
+  </p:clrMapOvr>
+</p:sld>
+</file>
+
+<file path=ppt/slides/slide7.xml><?xml version="1.0" encoding="utf-8"?>
+<p:sld xmlns:a="http://schemas.openxmlformats.org/drawingml/2006/main" xmlns:r="http://schemas.openxmlformats.org/officeDocument/2006/relationships" xmlns:p="http://schemas.openxmlformats.org/presentationml/2006/main">
+  <p:cSld>
+    <p:spTree>
+      <p:nvGrpSpPr>
+        <p:cNvPr id="1" name=""/>
+        <p:cNvGrpSpPr/>
+        <p:nvPr/>
+      </p:nvGrpSpPr>
+      <p:grpSpPr>
+        <a:xfrm>
+          <a:off x="0" y="0"/>
+          <a:ext cx="0" cy="0"/>
+          <a:chOff x="0" y="0"/>
+          <a:chExt cx="0" cy="0"/>
+        </a:xfrm>
+      </p:grpSpPr>
+      <p:pic>
+        <p:nvPicPr>
+          <p:cNvPr id="4" name="Picture 6">
+            <a:extLst>
+              <a:ext uri="{FF2B5EF4-FFF2-40B4-BE49-F238E27FC236}">
+                <a16:creationId xmlns:a16="http://schemas.microsoft.com/office/drawing/2014/main" id="{C76889AB-A7B7-4F7D-A711-44B611B2B9B2}"/>
+              </a:ext>
+            </a:extLst>
+          </p:cNvPr>
+          <p:cNvPicPr>
+            <a:picLocks noChangeAspect="1" noChangeArrowheads="1"/>
+          </p:cNvPicPr>
+          <p:nvPr/>
+        </p:nvPicPr>
+        <p:blipFill>
+          <a:blip r:embed="rId2">
+            <a:extLst>
+              <a:ext uri="{28A0092B-C50C-407E-A947-70E740481C1C}">
+                <a14:useLocalDpi xmlns:a14="http://schemas.microsoft.com/office/drawing/2010/main" val="0"/>
+              </a:ext>
+            </a:extLst>
+          </a:blip>
+          <a:srcRect/>
+          <a:stretch>
+            <a:fillRect/>
+          </a:stretch>
+        </p:blipFill>
+        <p:spPr bwMode="auto">
+          <a:xfrm>
+            <a:off x="8692886" y="1731725"/>
+            <a:ext cx="2385829" cy="2242319"/>
+          </a:xfrm>
+          <a:prstGeom prst="rect">
+            <a:avLst/>
+          </a:prstGeom>
+          <a:noFill/>
+          <a:ln>
+            <a:solidFill>
+              <a:schemeClr val="accent1">
+                <a:lumMod val="75000"/>
+              </a:schemeClr>
+            </a:solidFill>
+          </a:ln>
+          <a:extLst>
+            <a:ext uri="{909E8E84-426E-40DD-AFC4-6F175D3DCCD1}">
+              <a14:hiddenFill xmlns:a14="http://schemas.microsoft.com/office/drawing/2010/main">
+                <a:solidFill>
+                  <a:srgbClr val="FFFFFF"/>
+                </a:solidFill>
+              </a14:hiddenFill>
+            </a:ext>
+          </a:extLst>
+        </p:spPr>
+      </p:pic>
+      <p:pic>
+        <p:nvPicPr>
+          <p:cNvPr id="8" name="Picture 7">
+            <a:extLst>
+              <a:ext uri="{FF2B5EF4-FFF2-40B4-BE49-F238E27FC236}">
+                <a16:creationId xmlns:a16="http://schemas.microsoft.com/office/drawing/2014/main" id="{80D2613F-75BB-4C54-B2DB-B87FD52E3412}"/>
+              </a:ext>
+            </a:extLst>
+          </p:cNvPr>
+          <p:cNvPicPr>
+            <a:picLocks noChangeAspect="1"/>
+          </p:cNvPicPr>
+          <p:nvPr/>
+        </p:nvPicPr>
+        <p:blipFill>
+          <a:blip r:embed="rId3"/>
+          <a:stretch>
+            <a:fillRect/>
+          </a:stretch>
+        </p:blipFill>
+        <p:spPr>
+          <a:xfrm>
+            <a:off x="1727199" y="1731729"/>
+            <a:ext cx="2760260" cy="2242317"/>
+          </a:xfrm>
+          <a:prstGeom prst="rect">
+            <a:avLst/>
+          </a:prstGeom>
+          <a:ln>
+            <a:solidFill>
+              <a:schemeClr val="accent1">
+                <a:lumMod val="75000"/>
+              </a:schemeClr>
+            </a:solidFill>
+          </a:ln>
+        </p:spPr>
+      </p:pic>
+      <p:pic>
+        <p:nvPicPr>
+          <p:cNvPr id="9" name="Picture 8">
+            <a:extLst>
+              <a:ext uri="{FF2B5EF4-FFF2-40B4-BE49-F238E27FC236}">
+                <a16:creationId xmlns:a16="http://schemas.microsoft.com/office/drawing/2014/main" id="{597E02F2-399A-44F8-8BB6-C4E52CAD91C2}"/>
+              </a:ext>
+            </a:extLst>
+          </p:cNvPr>
+          <p:cNvPicPr>
+            <a:picLocks noChangeAspect="1"/>
+          </p:cNvPicPr>
+          <p:nvPr/>
+        </p:nvPicPr>
+        <p:blipFill>
+          <a:blip r:embed="rId4"/>
+          <a:stretch>
+            <a:fillRect/>
+          </a:stretch>
+        </p:blipFill>
+        <p:spPr>
+          <a:xfrm>
+            <a:off x="1727200" y="4108186"/>
+            <a:ext cx="9351515" cy="2046037"/>
+          </a:xfrm>
+          <a:prstGeom prst="rect">
+            <a:avLst/>
+          </a:prstGeom>
+          <a:ln>
+            <a:solidFill>
+              <a:schemeClr val="accent1">
+                <a:lumMod val="75000"/>
+              </a:schemeClr>
+            </a:solidFill>
+          </a:ln>
+        </p:spPr>
+      </p:pic>
+      <p:pic>
+        <p:nvPicPr>
+          <p:cNvPr id="1026" name="Picture 2">
+            <a:extLst>
+              <a:ext uri="{FF2B5EF4-FFF2-40B4-BE49-F238E27FC236}">
+                <a16:creationId xmlns:a16="http://schemas.microsoft.com/office/drawing/2014/main" id="{3B2A314F-D7A1-4247-A824-7ED06F6C795E}"/>
+              </a:ext>
+            </a:extLst>
+          </p:cNvPr>
+          <p:cNvPicPr>
+            <a:picLocks noChangeAspect="1" noChangeArrowheads="1"/>
+          </p:cNvPicPr>
+          <p:nvPr/>
+        </p:nvPicPr>
+        <p:blipFill>
+          <a:blip r:embed="rId5">
+            <a:extLst>
+              <a:ext uri="{28A0092B-C50C-407E-A947-70E740481C1C}">
+                <a14:useLocalDpi xmlns:a14="http://schemas.microsoft.com/office/drawing/2010/main" val="0"/>
+              </a:ext>
+            </a:extLst>
+          </a:blip>
+          <a:srcRect/>
+          <a:stretch>
+            <a:fillRect/>
+          </a:stretch>
+        </p:blipFill>
+        <p:spPr bwMode="auto">
+          <a:xfrm>
+            <a:off x="4596355" y="1731728"/>
+            <a:ext cx="2242317" cy="2242317"/>
+          </a:xfrm>
+          <a:prstGeom prst="rect">
+            <a:avLst/>
+          </a:prstGeom>
+          <a:noFill/>
+          <a:ln>
+            <a:solidFill>
+              <a:schemeClr val="accent1"/>
+            </a:solidFill>
+          </a:ln>
+          <a:extLst>
+            <a:ext uri="{909E8E84-426E-40DD-AFC4-6F175D3DCCD1}">
+              <a14:hiddenFill xmlns:a14="http://schemas.microsoft.com/office/drawing/2010/main">
+                <a:solidFill>
+                  <a:srgbClr val="FFFFFF"/>
+                </a:solidFill>
+              </a14:hiddenFill>
+            </a:ext>
+          </a:extLst>
+        </p:spPr>
+      </p:pic>
+      <p:sp>
+        <p:nvSpPr>
+          <p:cNvPr id="2" name="TextBox 1">
+            <a:extLst>
+              <a:ext uri="{FF2B5EF4-FFF2-40B4-BE49-F238E27FC236}">
+                <a16:creationId xmlns:a16="http://schemas.microsoft.com/office/drawing/2014/main" id="{BA541CB7-EE52-4D05-AA4B-1B5BF6A6371B}"/>
+              </a:ext>
+            </a:extLst>
+          </p:cNvPr>
+          <p:cNvSpPr txBox="1"/>
+          <p:nvPr/>
+        </p:nvSpPr>
+        <p:spPr>
+          <a:xfrm>
+            <a:off x="4587302" y="3327714"/>
+            <a:ext cx="1818383" cy="646331"/>
+          </a:xfrm>
+          <a:prstGeom prst="rect">
+            <a:avLst/>
+          </a:prstGeom>
+          <a:noFill/>
+        </p:spPr>
+        <p:txBody>
+          <a:bodyPr wrap="none" rtlCol="0">
+            <a:spAutoFit/>
+          </a:bodyPr>
+          <a:lstStyle/>
+          <a:p>
+            <a:r>
+              <a:rPr lang="en-US" dirty="0">
+                <a:solidFill>
+                  <a:schemeClr val="bg1"/>
+                </a:solidFill>
+              </a:rPr>
+              <a:t>Label: cup</a:t>
+            </a:r>
+            <a:br>
+              <a:rPr lang="en-US" dirty="0">
+                <a:solidFill>
+                  <a:schemeClr val="bg1"/>
+                </a:solidFill>
+              </a:rPr>
+            </a:br>
+            <a:r>
+              <a:rPr lang="en-US" dirty="0">
+                <a:solidFill>
+                  <a:schemeClr val="bg1"/>
+                </a:solidFill>
+              </a:rPr>
+              <a:t>Confidence: 99%</a:t>
+            </a:r>
+          </a:p>
+        </p:txBody>
+      </p:sp>
+      <p:pic>
+        <p:nvPicPr>
+          <p:cNvPr id="7" name="Picture 6">
+            <a:extLst>
+              <a:ext uri="{FF2B5EF4-FFF2-40B4-BE49-F238E27FC236}">
+                <a16:creationId xmlns:a16="http://schemas.microsoft.com/office/drawing/2014/main" id="{4C885915-58C6-4EF0-A156-7DDFAD179D8C}"/>
+              </a:ext>
+            </a:extLst>
+          </p:cNvPr>
+          <p:cNvPicPr>
+            <a:picLocks noChangeAspect="1"/>
+          </p:cNvPicPr>
+          <p:nvPr/>
+        </p:nvPicPr>
+        <p:blipFill>
+          <a:blip r:embed="rId6"/>
+          <a:stretch>
+            <a:fillRect/>
+          </a:stretch>
+        </p:blipFill>
+        <p:spPr>
+          <a:xfrm>
+            <a:off x="6947568" y="1731725"/>
+            <a:ext cx="1653460" cy="2242319"/>
+          </a:xfrm>
+          <a:prstGeom prst="rect">
+            <a:avLst/>
+          </a:prstGeom>
+          <a:ln>
+            <a:solidFill>
+              <a:schemeClr val="accent1"/>
+            </a:solidFill>
+          </a:ln>
+        </p:spPr>
+      </p:pic>
+    </p:spTree>
+    <p:extLst>
+      <p:ext uri="{BB962C8B-B14F-4D97-AF65-F5344CB8AC3E}">
+        <p14:creationId xmlns:p14="http://schemas.microsoft.com/office/powerpoint/2010/main" val="157510964"/>
       </p:ext>
     </p:extLst>
   </p:cSld>

--- a/scenarios/media/figures.pptx
+++ b/scenarios/media/figures.pptx
@@ -12,6 +12,7 @@
     <p:sldId id="258" r:id="rId6"/>
     <p:sldId id="259" r:id="rId7"/>
     <p:sldId id="1449" r:id="rId8"/>
+    <p:sldId id="1450" r:id="rId9"/>
   </p:sldIdLst>
   <p:sldSz cx="12192000" cy="6858000"/>
   <p:notesSz cx="6858000" cy="9144000"/>
@@ -265,7 +266,7 @@
           <a:p>
             <a:fld id="{4A8D7B51-23EF-4970-8150-2BD12F42C3C7}" type="datetimeFigureOut">
               <a:rPr lang="en-US" smtClean="0"/>
-              <a:t>1/22/2020</a:t>
+              <a:t>2/5/2020</a:t>
             </a:fld>
             <a:endParaRPr lang="en-US"/>
           </a:p>
@@ -463,7 +464,7 @@
           <a:p>
             <a:fld id="{4A8D7B51-23EF-4970-8150-2BD12F42C3C7}" type="datetimeFigureOut">
               <a:rPr lang="en-US" smtClean="0"/>
-              <a:t>1/22/2020</a:t>
+              <a:t>2/5/2020</a:t>
             </a:fld>
             <a:endParaRPr lang="en-US"/>
           </a:p>
@@ -671,7 +672,7 @@
           <a:p>
             <a:fld id="{4A8D7B51-23EF-4970-8150-2BD12F42C3C7}" type="datetimeFigureOut">
               <a:rPr lang="en-US" smtClean="0"/>
-              <a:t>1/22/2020</a:t>
+              <a:t>2/5/2020</a:t>
             </a:fld>
             <a:endParaRPr lang="en-US"/>
           </a:p>
@@ -869,7 +870,7 @@
           <a:p>
             <a:fld id="{4A8D7B51-23EF-4970-8150-2BD12F42C3C7}" type="datetimeFigureOut">
               <a:rPr lang="en-US" smtClean="0"/>
-              <a:t>1/22/2020</a:t>
+              <a:t>2/5/2020</a:t>
             </a:fld>
             <a:endParaRPr lang="en-US"/>
           </a:p>
@@ -1144,7 +1145,7 @@
           <a:p>
             <a:fld id="{4A8D7B51-23EF-4970-8150-2BD12F42C3C7}" type="datetimeFigureOut">
               <a:rPr lang="en-US" smtClean="0"/>
-              <a:t>1/22/2020</a:t>
+              <a:t>2/5/2020</a:t>
             </a:fld>
             <a:endParaRPr lang="en-US"/>
           </a:p>
@@ -1409,7 +1410,7 @@
           <a:p>
             <a:fld id="{4A8D7B51-23EF-4970-8150-2BD12F42C3C7}" type="datetimeFigureOut">
               <a:rPr lang="en-US" smtClean="0"/>
-              <a:t>1/22/2020</a:t>
+              <a:t>2/5/2020</a:t>
             </a:fld>
             <a:endParaRPr lang="en-US"/>
           </a:p>
@@ -1821,7 +1822,7 @@
           <a:p>
             <a:fld id="{4A8D7B51-23EF-4970-8150-2BD12F42C3C7}" type="datetimeFigureOut">
               <a:rPr lang="en-US" smtClean="0"/>
-              <a:t>1/22/2020</a:t>
+              <a:t>2/5/2020</a:t>
             </a:fld>
             <a:endParaRPr lang="en-US"/>
           </a:p>
@@ -1962,7 +1963,7 @@
           <a:p>
             <a:fld id="{4A8D7B51-23EF-4970-8150-2BD12F42C3C7}" type="datetimeFigureOut">
               <a:rPr lang="en-US" smtClean="0"/>
-              <a:t>1/22/2020</a:t>
+              <a:t>2/5/2020</a:t>
             </a:fld>
             <a:endParaRPr lang="en-US"/>
           </a:p>
@@ -2075,7 +2076,7 @@
           <a:p>
             <a:fld id="{4A8D7B51-23EF-4970-8150-2BD12F42C3C7}" type="datetimeFigureOut">
               <a:rPr lang="en-US" smtClean="0"/>
-              <a:t>1/22/2020</a:t>
+              <a:t>2/5/2020</a:t>
             </a:fld>
             <a:endParaRPr lang="en-US"/>
           </a:p>
@@ -2386,7 +2387,7 @@
           <a:p>
             <a:fld id="{4A8D7B51-23EF-4970-8150-2BD12F42C3C7}" type="datetimeFigureOut">
               <a:rPr lang="en-US" smtClean="0"/>
-              <a:t>1/22/2020</a:t>
+              <a:t>2/5/2020</a:t>
             </a:fld>
             <a:endParaRPr lang="en-US"/>
           </a:p>
@@ -2674,7 +2675,7 @@
           <a:p>
             <a:fld id="{4A8D7B51-23EF-4970-8150-2BD12F42C3C7}" type="datetimeFigureOut">
               <a:rPr lang="en-US" smtClean="0"/>
-              <a:t>1/22/2020</a:t>
+              <a:t>2/5/2020</a:t>
             </a:fld>
             <a:endParaRPr lang="en-US"/>
           </a:p>
@@ -2915,7 +2916,7 @@
           <a:p>
             <a:fld id="{4A8D7B51-23EF-4970-8150-2BD12F42C3C7}" type="datetimeFigureOut">
               <a:rPr lang="en-US" smtClean="0"/>
-              <a:t>1/22/2020</a:t>
+              <a:t>2/5/2020</a:t>
             </a:fld>
             <a:endParaRPr lang="en-US"/>
           </a:p>
@@ -5668,12 +5669,20 @@
           <a:lstStyle/>
           <a:p>
             <a:r>
+              <a:rPr lang="en-US" b="1" dirty="0">
+                <a:solidFill>
+                  <a:schemeClr val="bg1"/>
+                </a:solidFill>
+              </a:rPr>
+              <a:t>Label</a:t>
+            </a:r>
+            <a:r>
               <a:rPr lang="en-US" dirty="0">
                 <a:solidFill>
                   <a:schemeClr val="bg1"/>
                 </a:solidFill>
               </a:rPr>
-              <a:t>Label: cup</a:t>
+              <a:t>: cup</a:t>
             </a:r>
             <a:br>
               <a:rPr lang="en-US" dirty="0">
@@ -5683,12 +5692,20 @@
               </a:rPr>
             </a:br>
             <a:r>
+              <a:rPr lang="en-US" b="1" dirty="0">
+                <a:solidFill>
+                  <a:schemeClr val="bg1"/>
+                </a:solidFill>
+              </a:rPr>
+              <a:t>Confidence</a:t>
+            </a:r>
+            <a:r>
               <a:rPr lang="en-US" dirty="0">
                 <a:solidFill>
                   <a:schemeClr val="bg1"/>
                 </a:solidFill>
               </a:rPr>
-              <a:t>Confidence: 99%</a:t>
+              <a:t>: 99%</a:t>
             </a:r>
           </a:p>
         </p:txBody>
@@ -5732,6 +5749,302 @@
     <p:extLst>
       <p:ext uri="{BB962C8B-B14F-4D97-AF65-F5344CB8AC3E}">
         <p14:creationId xmlns:p14="http://schemas.microsoft.com/office/powerpoint/2010/main" val="157510964"/>
+      </p:ext>
+    </p:extLst>
+  </p:cSld>
+  <p:clrMapOvr>
+    <a:masterClrMapping/>
+  </p:clrMapOvr>
+</p:sld>
+</file>
+
+<file path=ppt/slides/slide8.xml><?xml version="1.0" encoding="utf-8"?>
+<p:sld xmlns:a="http://schemas.openxmlformats.org/drawingml/2006/main" xmlns:r="http://schemas.openxmlformats.org/officeDocument/2006/relationships" xmlns:p="http://schemas.openxmlformats.org/presentationml/2006/main">
+  <p:cSld>
+    <p:spTree>
+      <p:nvGrpSpPr>
+        <p:cNvPr id="1" name=""/>
+        <p:cNvGrpSpPr/>
+        <p:nvPr/>
+      </p:nvGrpSpPr>
+      <p:grpSpPr>
+        <a:xfrm>
+          <a:off x="0" y="0"/>
+          <a:ext cx="0" cy="0"/>
+          <a:chOff x="0" y="0"/>
+          <a:chExt cx="0" cy="0"/>
+        </a:xfrm>
+      </p:grpSpPr>
+      <p:pic>
+        <p:nvPicPr>
+          <p:cNvPr id="5" name="Picture 4" descr="A plastic water bottle on a table&#10;&#10;Description automatically generated">
+            <a:extLst>
+              <a:ext uri="{FF2B5EF4-FFF2-40B4-BE49-F238E27FC236}">
+                <a16:creationId xmlns:a16="http://schemas.microsoft.com/office/drawing/2014/main" id="{0040CB42-F87A-4E95-A938-F7E2C3060A65}"/>
+              </a:ext>
+            </a:extLst>
+          </p:cNvPr>
+          <p:cNvPicPr>
+            <a:picLocks noChangeAspect="1"/>
+          </p:cNvPicPr>
+          <p:nvPr/>
+        </p:nvPicPr>
+        <p:blipFill>
+          <a:blip r:embed="rId2">
+            <a:extLst>
+              <a:ext uri="{28A0092B-C50C-407E-A947-70E740481C1C}">
+                <a14:useLocalDpi xmlns:a14="http://schemas.microsoft.com/office/drawing/2010/main" val="0"/>
+              </a:ext>
+            </a:extLst>
+          </a:blip>
+          <a:stretch>
+            <a:fillRect/>
+          </a:stretch>
+        </p:blipFill>
+        <p:spPr>
+          <a:xfrm>
+            <a:off x="6549424" y="0"/>
+            <a:ext cx="5138351" cy="6858000"/>
+          </a:xfrm>
+          <a:prstGeom prst="rect">
+            <a:avLst/>
+          </a:prstGeom>
+        </p:spPr>
+      </p:pic>
+      <p:sp>
+        <p:nvSpPr>
+          <p:cNvPr id="2" name="TextBox 1">
+            <a:extLst>
+              <a:ext uri="{FF2B5EF4-FFF2-40B4-BE49-F238E27FC236}">
+                <a16:creationId xmlns:a16="http://schemas.microsoft.com/office/drawing/2014/main" id="{BA541CB7-EE52-4D05-AA4B-1B5BF6A6371B}"/>
+              </a:ext>
+            </a:extLst>
+          </p:cNvPr>
+          <p:cNvSpPr txBox="1"/>
+          <p:nvPr/>
+        </p:nvSpPr>
+        <p:spPr>
+          <a:xfrm>
+            <a:off x="6682802" y="5867714"/>
+            <a:ext cx="4690451" cy="954107"/>
+          </a:xfrm>
+          <a:prstGeom prst="rect">
+            <a:avLst/>
+          </a:prstGeom>
+          <a:noFill/>
+        </p:spPr>
+        <p:txBody>
+          <a:bodyPr wrap="none" rtlCol="0">
+            <a:spAutoFit/>
+          </a:bodyPr>
+          <a:lstStyle/>
+          <a:p>
+            <a:r>
+              <a:rPr lang="en-US" sz="2800" b="1" dirty="0">
+                <a:solidFill>
+                  <a:schemeClr val="bg1"/>
+                </a:solidFill>
+              </a:rPr>
+              <a:t>Labels</a:t>
+            </a:r>
+            <a:r>
+              <a:rPr lang="en-US" sz="2800" dirty="0">
+                <a:solidFill>
+                  <a:schemeClr val="bg1"/>
+                </a:solidFill>
+              </a:rPr>
+              <a:t>: bottle, can, milk_bottle</a:t>
+            </a:r>
+            <a:br>
+              <a:rPr lang="en-US" sz="2800" dirty="0">
+                <a:solidFill>
+                  <a:schemeClr val="bg1"/>
+                </a:solidFill>
+              </a:rPr>
+            </a:br>
+            <a:r>
+              <a:rPr lang="en-US" sz="2800" b="1" dirty="0">
+                <a:solidFill>
+                  <a:schemeClr val="bg1"/>
+                </a:solidFill>
+              </a:rPr>
+              <a:t>Confidence</a:t>
+            </a:r>
+            <a:r>
+              <a:rPr lang="en-US" sz="2800" dirty="0">
+                <a:solidFill>
+                  <a:schemeClr val="bg1"/>
+                </a:solidFill>
+              </a:rPr>
+              <a:t>: 93%, 99%, 96%</a:t>
+            </a:r>
+          </a:p>
+        </p:txBody>
+      </p:sp>
+      <p:pic>
+        <p:nvPicPr>
+          <p:cNvPr id="10" name="Picture 9" descr="A picture containing indoor, sitting, food, table&#10;&#10;Description automatically generated">
+            <a:extLst>
+              <a:ext uri="{FF2B5EF4-FFF2-40B4-BE49-F238E27FC236}">
+                <a16:creationId xmlns:a16="http://schemas.microsoft.com/office/drawing/2014/main" id="{FECF6F8D-5009-4138-A93F-9966EFF57095}"/>
+              </a:ext>
+            </a:extLst>
+          </p:cNvPr>
+          <p:cNvPicPr>
+            <a:picLocks noChangeAspect="1"/>
+          </p:cNvPicPr>
+          <p:nvPr/>
+        </p:nvPicPr>
+        <p:blipFill>
+          <a:blip r:embed="rId3">
+            <a:extLst>
+              <a:ext uri="{28A0092B-C50C-407E-A947-70E740481C1C}">
+                <a14:useLocalDpi xmlns:a14="http://schemas.microsoft.com/office/drawing/2010/main" val="0"/>
+              </a:ext>
+            </a:extLst>
+          </a:blip>
+          <a:stretch>
+            <a:fillRect/>
+          </a:stretch>
+        </p:blipFill>
+        <p:spPr>
+          <a:xfrm>
+            <a:off x="504225" y="0"/>
+            <a:ext cx="5138351" cy="6858000"/>
+          </a:xfrm>
+          <a:prstGeom prst="rect">
+            <a:avLst/>
+          </a:prstGeom>
+        </p:spPr>
+      </p:pic>
+      <p:sp>
+        <p:nvSpPr>
+          <p:cNvPr id="12" name="TextBox 11">
+            <a:extLst>
+              <a:ext uri="{FF2B5EF4-FFF2-40B4-BE49-F238E27FC236}">
+                <a16:creationId xmlns:a16="http://schemas.microsoft.com/office/drawing/2014/main" id="{852A0103-A078-4C90-A9D3-F8551D0B85CA}"/>
+              </a:ext>
+            </a:extLst>
+          </p:cNvPr>
+          <p:cNvSpPr txBox="1"/>
+          <p:nvPr/>
+        </p:nvSpPr>
+        <p:spPr>
+          <a:xfrm>
+            <a:off x="715474" y="5903893"/>
+            <a:ext cx="2657779" cy="954107"/>
+          </a:xfrm>
+          <a:prstGeom prst="rect">
+            <a:avLst/>
+          </a:prstGeom>
+          <a:noFill/>
+        </p:spPr>
+        <p:txBody>
+          <a:bodyPr wrap="none" rtlCol="0">
+            <a:spAutoFit/>
+          </a:bodyPr>
+          <a:lstStyle/>
+          <a:p>
+            <a:r>
+              <a:rPr lang="en-US" sz="2800" b="1" dirty="0">
+                <a:solidFill>
+                  <a:schemeClr val="bg1"/>
+                </a:solidFill>
+              </a:rPr>
+              <a:t>Label</a:t>
+            </a:r>
+            <a:r>
+              <a:rPr lang="en-US" sz="2800" dirty="0">
+                <a:solidFill>
+                  <a:schemeClr val="bg1"/>
+                </a:solidFill>
+              </a:rPr>
+              <a:t>: bottle</a:t>
+            </a:r>
+            <a:br>
+              <a:rPr lang="en-US" sz="2800" dirty="0">
+                <a:solidFill>
+                  <a:schemeClr val="bg1"/>
+                </a:solidFill>
+              </a:rPr>
+            </a:br>
+            <a:r>
+              <a:rPr lang="en-US" sz="2800" b="1" dirty="0">
+                <a:solidFill>
+                  <a:schemeClr val="bg1"/>
+                </a:solidFill>
+              </a:rPr>
+              <a:t>Confidence</a:t>
+            </a:r>
+            <a:r>
+              <a:rPr lang="en-US" sz="2800" dirty="0">
+                <a:solidFill>
+                  <a:schemeClr val="bg1"/>
+                </a:solidFill>
+              </a:rPr>
+              <a:t>: 99%</a:t>
+            </a:r>
+          </a:p>
+        </p:txBody>
+      </p:sp>
+      <p:sp>
+        <p:nvSpPr>
+          <p:cNvPr id="11" name="Rectangle 10">
+            <a:extLst>
+              <a:ext uri="{FF2B5EF4-FFF2-40B4-BE49-F238E27FC236}">
+                <a16:creationId xmlns:a16="http://schemas.microsoft.com/office/drawing/2014/main" id="{B390E27A-2CA4-4E59-90E5-81C07F3323FF}"/>
+              </a:ext>
+            </a:extLst>
+          </p:cNvPr>
+          <p:cNvSpPr/>
+          <p:nvPr/>
+        </p:nvSpPr>
+        <p:spPr>
+          <a:xfrm>
+            <a:off x="0" y="-241300"/>
+            <a:ext cx="11798300" cy="1270000"/>
+          </a:xfrm>
+          <a:prstGeom prst="rect">
+            <a:avLst/>
+          </a:prstGeom>
+          <a:solidFill>
+            <a:schemeClr val="bg1"/>
+          </a:solidFill>
+          <a:ln>
+            <a:solidFill>
+              <a:schemeClr val="bg1"/>
+            </a:solidFill>
+          </a:ln>
+        </p:spPr>
+        <p:style>
+          <a:lnRef idx="2">
+            <a:schemeClr val="accent1">
+              <a:shade val="50000"/>
+            </a:schemeClr>
+          </a:lnRef>
+          <a:fillRef idx="1">
+            <a:schemeClr val="accent1"/>
+          </a:fillRef>
+          <a:effectRef idx="0">
+            <a:schemeClr val="accent1"/>
+          </a:effectRef>
+          <a:fontRef idx="minor">
+            <a:schemeClr val="lt1"/>
+          </a:fontRef>
+        </p:style>
+        <p:txBody>
+          <a:bodyPr rtlCol="0" anchor="ctr"/>
+          <a:lstStyle/>
+          <a:p>
+            <a:pPr algn="ctr"/>
+            <a:endParaRPr lang="en-US"/>
+          </a:p>
+        </p:txBody>
+      </p:sp>
+    </p:spTree>
+    <p:extLst>
+      <p:ext uri="{BB962C8B-B14F-4D97-AF65-F5344CB8AC3E}">
+        <p14:creationId xmlns:p14="http://schemas.microsoft.com/office/powerpoint/2010/main" val="3250943964"/>
       </p:ext>
     </p:extLst>
   </p:cSld>

--- a/scenarios/media/figures.pptx
+++ b/scenarios/media/figures.pptx
@@ -12,7 +12,8 @@
     <p:sldId id="258" r:id="rId6"/>
     <p:sldId id="259" r:id="rId7"/>
     <p:sldId id="1449" r:id="rId8"/>
-    <p:sldId id="1450" r:id="rId9"/>
+    <p:sldId id="1451" r:id="rId9"/>
+    <p:sldId id="1450" r:id="rId10"/>
   </p:sldIdLst>
   <p:sldSz cx="12192000" cy="6858000"/>
   <p:notesSz cx="6858000" cy="9144000"/>
@@ -266,7 +267,7 @@
           <a:p>
             <a:fld id="{4A8D7B51-23EF-4970-8150-2BD12F42C3C7}" type="datetimeFigureOut">
               <a:rPr lang="en-US" smtClean="0"/>
-              <a:t>2/5/2020</a:t>
+              <a:t>6/9/2020</a:t>
             </a:fld>
             <a:endParaRPr lang="en-US"/>
           </a:p>
@@ -464,7 +465,7 @@
           <a:p>
             <a:fld id="{4A8D7B51-23EF-4970-8150-2BD12F42C3C7}" type="datetimeFigureOut">
               <a:rPr lang="en-US" smtClean="0"/>
-              <a:t>2/5/2020</a:t>
+              <a:t>6/9/2020</a:t>
             </a:fld>
             <a:endParaRPr lang="en-US"/>
           </a:p>
@@ -672,7 +673,7 @@
           <a:p>
             <a:fld id="{4A8D7B51-23EF-4970-8150-2BD12F42C3C7}" type="datetimeFigureOut">
               <a:rPr lang="en-US" smtClean="0"/>
-              <a:t>2/5/2020</a:t>
+              <a:t>6/9/2020</a:t>
             </a:fld>
             <a:endParaRPr lang="en-US"/>
           </a:p>
@@ -870,7 +871,7 @@
           <a:p>
             <a:fld id="{4A8D7B51-23EF-4970-8150-2BD12F42C3C7}" type="datetimeFigureOut">
               <a:rPr lang="en-US" smtClean="0"/>
-              <a:t>2/5/2020</a:t>
+              <a:t>6/9/2020</a:t>
             </a:fld>
             <a:endParaRPr lang="en-US"/>
           </a:p>
@@ -1145,7 +1146,7 @@
           <a:p>
             <a:fld id="{4A8D7B51-23EF-4970-8150-2BD12F42C3C7}" type="datetimeFigureOut">
               <a:rPr lang="en-US" smtClean="0"/>
-              <a:t>2/5/2020</a:t>
+              <a:t>6/9/2020</a:t>
             </a:fld>
             <a:endParaRPr lang="en-US"/>
           </a:p>
@@ -1410,7 +1411,7 @@
           <a:p>
             <a:fld id="{4A8D7B51-23EF-4970-8150-2BD12F42C3C7}" type="datetimeFigureOut">
               <a:rPr lang="en-US" smtClean="0"/>
-              <a:t>2/5/2020</a:t>
+              <a:t>6/9/2020</a:t>
             </a:fld>
             <a:endParaRPr lang="en-US"/>
           </a:p>
@@ -1822,7 +1823,7 @@
           <a:p>
             <a:fld id="{4A8D7B51-23EF-4970-8150-2BD12F42C3C7}" type="datetimeFigureOut">
               <a:rPr lang="en-US" smtClean="0"/>
-              <a:t>2/5/2020</a:t>
+              <a:t>6/9/2020</a:t>
             </a:fld>
             <a:endParaRPr lang="en-US"/>
           </a:p>
@@ -1963,7 +1964,7 @@
           <a:p>
             <a:fld id="{4A8D7B51-23EF-4970-8150-2BD12F42C3C7}" type="datetimeFigureOut">
               <a:rPr lang="en-US" smtClean="0"/>
-              <a:t>2/5/2020</a:t>
+              <a:t>6/9/2020</a:t>
             </a:fld>
             <a:endParaRPr lang="en-US"/>
           </a:p>
@@ -2076,7 +2077,7 @@
           <a:p>
             <a:fld id="{4A8D7B51-23EF-4970-8150-2BD12F42C3C7}" type="datetimeFigureOut">
               <a:rPr lang="en-US" smtClean="0"/>
-              <a:t>2/5/2020</a:t>
+              <a:t>6/9/2020</a:t>
             </a:fld>
             <a:endParaRPr lang="en-US"/>
           </a:p>
@@ -2387,7 +2388,7 @@
           <a:p>
             <a:fld id="{4A8D7B51-23EF-4970-8150-2BD12F42C3C7}" type="datetimeFigureOut">
               <a:rPr lang="en-US" smtClean="0"/>
-              <a:t>2/5/2020</a:t>
+              <a:t>6/9/2020</a:t>
             </a:fld>
             <a:endParaRPr lang="en-US"/>
           </a:p>
@@ -2675,7 +2676,7 @@
           <a:p>
             <a:fld id="{4A8D7B51-23EF-4970-8150-2BD12F42C3C7}" type="datetimeFigureOut">
               <a:rPr lang="en-US" smtClean="0"/>
-              <a:t>2/5/2020</a:t>
+              <a:t>6/9/2020</a:t>
             </a:fld>
             <a:endParaRPr lang="en-US"/>
           </a:p>
@@ -2916,7 +2917,7 @@
           <a:p>
             <a:fld id="{4A8D7B51-23EF-4970-8150-2BD12F42C3C7}" type="datetimeFigureOut">
               <a:rPr lang="en-US" smtClean="0"/>
-              <a:t>2/5/2020</a:t>
+              <a:t>6/9/2020</a:t>
             </a:fld>
             <a:endParaRPr lang="en-US"/>
           </a:p>
@@ -5777,6 +5778,350 @@
       </p:grpSpPr>
       <p:pic>
         <p:nvPicPr>
+          <p:cNvPr id="4" name="Picture 6">
+            <a:extLst>
+              <a:ext uri="{FF2B5EF4-FFF2-40B4-BE49-F238E27FC236}">
+                <a16:creationId xmlns:a16="http://schemas.microsoft.com/office/drawing/2014/main" id="{C76889AB-A7B7-4F7D-A711-44B611B2B9B2}"/>
+              </a:ext>
+            </a:extLst>
+          </p:cNvPr>
+          <p:cNvPicPr>
+            <a:picLocks noChangeAspect="1" noChangeArrowheads="1"/>
+          </p:cNvPicPr>
+          <p:nvPr/>
+        </p:nvPicPr>
+        <p:blipFill>
+          <a:blip r:embed="rId2">
+            <a:extLst>
+              <a:ext uri="{28A0092B-C50C-407E-A947-70E740481C1C}">
+                <a14:useLocalDpi xmlns:a14="http://schemas.microsoft.com/office/drawing/2010/main" val="0"/>
+              </a:ext>
+            </a:extLst>
+          </a:blip>
+          <a:srcRect/>
+          <a:stretch>
+            <a:fillRect/>
+          </a:stretch>
+        </p:blipFill>
+        <p:spPr bwMode="auto">
+          <a:xfrm>
+            <a:off x="7324111" y="3005657"/>
+            <a:ext cx="2071568" cy="1946961"/>
+          </a:xfrm>
+          <a:prstGeom prst="rect">
+            <a:avLst/>
+          </a:prstGeom>
+          <a:noFill/>
+          <a:ln>
+            <a:solidFill>
+              <a:srgbClr val="0070C0"/>
+            </a:solidFill>
+          </a:ln>
+          <a:extLst>
+            <a:ext uri="{909E8E84-426E-40DD-AFC4-6F175D3DCCD1}">
+              <a14:hiddenFill xmlns:a14="http://schemas.microsoft.com/office/drawing/2010/main">
+                <a:solidFill>
+                  <a:srgbClr val="FFFFFF"/>
+                </a:solidFill>
+              </a14:hiddenFill>
+            </a:ext>
+          </a:extLst>
+        </p:spPr>
+      </p:pic>
+      <p:pic>
+        <p:nvPicPr>
+          <p:cNvPr id="8" name="Picture 7">
+            <a:extLst>
+              <a:ext uri="{FF2B5EF4-FFF2-40B4-BE49-F238E27FC236}">
+                <a16:creationId xmlns:a16="http://schemas.microsoft.com/office/drawing/2014/main" id="{80D2613F-75BB-4C54-B2DB-B87FD52E3412}"/>
+              </a:ext>
+            </a:extLst>
+          </p:cNvPr>
+          <p:cNvPicPr>
+            <a:picLocks noChangeAspect="1"/>
+          </p:cNvPicPr>
+          <p:nvPr/>
+        </p:nvPicPr>
+        <p:blipFill>
+          <a:blip r:embed="rId3"/>
+          <a:stretch>
+            <a:fillRect/>
+          </a:stretch>
+        </p:blipFill>
+        <p:spPr>
+          <a:xfrm>
+            <a:off x="725714" y="677992"/>
+            <a:ext cx="2760260" cy="2242317"/>
+          </a:xfrm>
+          <a:prstGeom prst="rect">
+            <a:avLst/>
+          </a:prstGeom>
+          <a:ln>
+            <a:solidFill>
+              <a:srgbClr val="0070C0"/>
+            </a:solidFill>
+          </a:ln>
+        </p:spPr>
+      </p:pic>
+      <p:pic>
+        <p:nvPicPr>
+          <p:cNvPr id="1026" name="Picture 2">
+            <a:extLst>
+              <a:ext uri="{FF2B5EF4-FFF2-40B4-BE49-F238E27FC236}">
+                <a16:creationId xmlns:a16="http://schemas.microsoft.com/office/drawing/2014/main" id="{3B2A314F-D7A1-4247-A824-7ED06F6C795E}"/>
+              </a:ext>
+            </a:extLst>
+          </p:cNvPr>
+          <p:cNvPicPr>
+            <a:picLocks noChangeAspect="1" noChangeArrowheads="1"/>
+          </p:cNvPicPr>
+          <p:nvPr/>
+        </p:nvPicPr>
+        <p:blipFill>
+          <a:blip r:embed="rId4">
+            <a:extLst>
+              <a:ext uri="{28A0092B-C50C-407E-A947-70E740481C1C}">
+                <a14:useLocalDpi xmlns:a14="http://schemas.microsoft.com/office/drawing/2010/main" val="0"/>
+              </a:ext>
+            </a:extLst>
+          </a:blip>
+          <a:srcRect/>
+          <a:stretch>
+            <a:fillRect/>
+          </a:stretch>
+        </p:blipFill>
+        <p:spPr bwMode="auto">
+          <a:xfrm>
+            <a:off x="3594870" y="677990"/>
+            <a:ext cx="2242317" cy="2242317"/>
+          </a:xfrm>
+          <a:prstGeom prst="rect">
+            <a:avLst/>
+          </a:prstGeom>
+          <a:noFill/>
+          <a:ln>
+            <a:solidFill>
+              <a:srgbClr val="0070C0"/>
+            </a:solidFill>
+          </a:ln>
+          <a:extLst>
+            <a:ext uri="{909E8E84-426E-40DD-AFC4-6F175D3DCCD1}">
+              <a14:hiddenFill xmlns:a14="http://schemas.microsoft.com/office/drawing/2010/main">
+                <a:solidFill>
+                  <a:srgbClr val="FFFFFF"/>
+                </a:solidFill>
+              </a14:hiddenFill>
+            </a:ext>
+          </a:extLst>
+        </p:spPr>
+      </p:pic>
+      <p:sp>
+        <p:nvSpPr>
+          <p:cNvPr id="2" name="TextBox 1">
+            <a:extLst>
+              <a:ext uri="{FF2B5EF4-FFF2-40B4-BE49-F238E27FC236}">
+                <a16:creationId xmlns:a16="http://schemas.microsoft.com/office/drawing/2014/main" id="{BA541CB7-EE52-4D05-AA4B-1B5BF6A6371B}"/>
+              </a:ext>
+            </a:extLst>
+          </p:cNvPr>
+          <p:cNvSpPr txBox="1"/>
+          <p:nvPr/>
+        </p:nvSpPr>
+        <p:spPr>
+          <a:xfrm>
+            <a:off x="3585817" y="2273977"/>
+            <a:ext cx="1818383" cy="646331"/>
+          </a:xfrm>
+          <a:prstGeom prst="rect">
+            <a:avLst/>
+          </a:prstGeom>
+          <a:noFill/>
+        </p:spPr>
+        <p:txBody>
+          <a:bodyPr wrap="none" rtlCol="0">
+            <a:spAutoFit/>
+          </a:bodyPr>
+          <a:lstStyle/>
+          <a:p>
+            <a:r>
+              <a:rPr lang="en-US" b="1" dirty="0">
+                <a:solidFill>
+                  <a:schemeClr val="bg1"/>
+                </a:solidFill>
+              </a:rPr>
+              <a:t>Label</a:t>
+            </a:r>
+            <a:r>
+              <a:rPr lang="en-US" dirty="0">
+                <a:solidFill>
+                  <a:schemeClr val="bg1"/>
+                </a:solidFill>
+              </a:rPr>
+              <a:t>: cup</a:t>
+            </a:r>
+            <a:br>
+              <a:rPr lang="en-US" dirty="0">
+                <a:solidFill>
+                  <a:schemeClr val="bg1"/>
+                </a:solidFill>
+              </a:rPr>
+            </a:br>
+            <a:r>
+              <a:rPr lang="en-US" b="1" dirty="0">
+                <a:solidFill>
+                  <a:schemeClr val="bg1"/>
+                </a:solidFill>
+              </a:rPr>
+              <a:t>Confidence</a:t>
+            </a:r>
+            <a:r>
+              <a:rPr lang="en-US" dirty="0">
+                <a:solidFill>
+                  <a:schemeClr val="bg1"/>
+                </a:solidFill>
+              </a:rPr>
+              <a:t>: 99%</a:t>
+            </a:r>
+          </a:p>
+        </p:txBody>
+      </p:sp>
+      <p:pic>
+        <p:nvPicPr>
+          <p:cNvPr id="7" name="Picture 6">
+            <a:extLst>
+              <a:ext uri="{FF2B5EF4-FFF2-40B4-BE49-F238E27FC236}">
+                <a16:creationId xmlns:a16="http://schemas.microsoft.com/office/drawing/2014/main" id="{4C885915-58C6-4EF0-A156-7DDFAD179D8C}"/>
+              </a:ext>
+            </a:extLst>
+          </p:cNvPr>
+          <p:cNvPicPr>
+            <a:picLocks noChangeAspect="1"/>
+          </p:cNvPicPr>
+          <p:nvPr/>
+        </p:nvPicPr>
+        <p:blipFill>
+          <a:blip r:embed="rId5"/>
+          <a:stretch>
+            <a:fillRect/>
+          </a:stretch>
+        </p:blipFill>
+        <p:spPr>
+          <a:xfrm>
+            <a:off x="5946083" y="677988"/>
+            <a:ext cx="1653460" cy="2242319"/>
+          </a:xfrm>
+          <a:prstGeom prst="rect">
+            <a:avLst/>
+          </a:prstGeom>
+          <a:ln>
+            <a:solidFill>
+              <a:srgbClr val="0070C0"/>
+            </a:solidFill>
+          </a:ln>
+        </p:spPr>
+      </p:pic>
+      <p:pic>
+        <p:nvPicPr>
+          <p:cNvPr id="5" name="Picture 4">
+            <a:extLst>
+              <a:ext uri="{FF2B5EF4-FFF2-40B4-BE49-F238E27FC236}">
+                <a16:creationId xmlns:a16="http://schemas.microsoft.com/office/drawing/2014/main" id="{E6AA9F17-3394-4F2B-BAEC-44872FC2618B}"/>
+              </a:ext>
+            </a:extLst>
+          </p:cNvPr>
+          <p:cNvPicPr>
+            <a:picLocks noChangeAspect="1"/>
+          </p:cNvPicPr>
+          <p:nvPr/>
+        </p:nvPicPr>
+        <p:blipFill>
+          <a:blip r:embed="rId6"/>
+          <a:stretch>
+            <a:fillRect/>
+          </a:stretch>
+        </p:blipFill>
+        <p:spPr>
+          <a:xfrm>
+            <a:off x="7721108" y="677988"/>
+            <a:ext cx="1674571" cy="2242319"/>
+          </a:xfrm>
+          <a:prstGeom prst="rect">
+            <a:avLst/>
+          </a:prstGeom>
+          <a:ln>
+            <a:solidFill>
+              <a:srgbClr val="0070C0"/>
+            </a:solidFill>
+          </a:ln>
+        </p:spPr>
+      </p:pic>
+      <p:pic>
+        <p:nvPicPr>
+          <p:cNvPr id="10" name="Picture 9">
+            <a:extLst>
+              <a:ext uri="{FF2B5EF4-FFF2-40B4-BE49-F238E27FC236}">
+                <a16:creationId xmlns:a16="http://schemas.microsoft.com/office/drawing/2014/main" id="{33DC3F42-D9BE-4B2F-85FD-1BE242B98ABE}"/>
+              </a:ext>
+            </a:extLst>
+          </p:cNvPr>
+          <p:cNvPicPr>
+            <a:picLocks noChangeAspect="1"/>
+          </p:cNvPicPr>
+          <p:nvPr/>
+        </p:nvPicPr>
+        <p:blipFill>
+          <a:blip r:embed="rId7"/>
+          <a:stretch>
+            <a:fillRect/>
+          </a:stretch>
+        </p:blipFill>
+        <p:spPr>
+          <a:xfrm>
+            <a:off x="717005" y="3005659"/>
+            <a:ext cx="6502401" cy="1946962"/>
+          </a:xfrm>
+          <a:prstGeom prst="rect">
+            <a:avLst/>
+          </a:prstGeom>
+          <a:ln>
+            <a:solidFill>
+              <a:srgbClr val="0070C0"/>
+            </a:solidFill>
+          </a:ln>
+        </p:spPr>
+      </p:pic>
+    </p:spTree>
+    <p:extLst>
+      <p:ext uri="{BB962C8B-B14F-4D97-AF65-F5344CB8AC3E}">
+        <p14:creationId xmlns:p14="http://schemas.microsoft.com/office/powerpoint/2010/main" val="1758385637"/>
+      </p:ext>
+    </p:extLst>
+  </p:cSld>
+  <p:clrMapOvr>
+    <a:masterClrMapping/>
+  </p:clrMapOvr>
+</p:sld>
+</file>
+
+<file path=ppt/slides/slide9.xml><?xml version="1.0" encoding="utf-8"?>
+<p:sld xmlns:a="http://schemas.openxmlformats.org/drawingml/2006/main" xmlns:r="http://schemas.openxmlformats.org/officeDocument/2006/relationships" xmlns:p="http://schemas.openxmlformats.org/presentationml/2006/main">
+  <p:cSld>
+    <p:spTree>
+      <p:nvGrpSpPr>
+        <p:cNvPr id="1" name=""/>
+        <p:cNvGrpSpPr/>
+        <p:nvPr/>
+      </p:nvGrpSpPr>
+      <p:grpSpPr>
+        <a:xfrm>
+          <a:off x="0" y="0"/>
+          <a:ext cx="0" cy="0"/>
+          <a:chOff x="0" y="0"/>
+          <a:chExt cx="0" cy="0"/>
+        </a:xfrm>
+      </p:grpSpPr>
+      <p:pic>
+        <p:nvPicPr>
           <p:cNvPr id="5" name="Picture 4" descr="A plastic water bottle on a table&#10;&#10;Description automatically generated">
             <a:extLst>
               <a:ext uri="{FF2B5EF4-FFF2-40B4-BE49-F238E27FC236}">
